--- a/Mid_project_demo.pptx
+++ b/Mid_project_demo.pptx
@@ -5,7 +5,7 @@
     <p:sldMasterId id="2147483660" r:id="rId4"/>
   </p:sldMasterIdLst>
   <p:notesMasterIdLst>
-    <p:notesMasterId r:id="rId18"/>
+    <p:notesMasterId r:id="rId20"/>
   </p:notesMasterIdLst>
   <p:sldIdLst>
     <p:sldId id="278" r:id="rId5"/>
@@ -21,6 +21,8 @@
     <p:sldId id="288" r:id="rId15"/>
     <p:sldId id="289" r:id="rId16"/>
     <p:sldId id="290" r:id="rId17"/>
+    <p:sldId id="291" r:id="rId18"/>
+    <p:sldId id="292" r:id="rId19"/>
   </p:sldIdLst>
   <p:sldSz cx="12192000" cy="6858000"/>
   <p:notesSz cx="6858000" cy="9144000"/>
@@ -130,7 +132,7 @@
 <file path=ppt/revisionInfo.xml><?xml version="1.0" encoding="utf-8"?>
 <p1510:revInfo xmlns:a="http://schemas.openxmlformats.org/drawingml/2006/main" xmlns:r="http://schemas.openxmlformats.org/officeDocument/2006/relationships" xmlns:p1510="http://schemas.microsoft.com/office/powerpoint/2015/10/main">
   <p1510:revLst>
-    <p1510:client id="{DCAE0532-CEAF-47B9-8E7A-F7D74819B97E}" v="2" dt="2022-03-10T00:04:48.169"/>
+    <p1510:client id="{DCAE0532-CEAF-47B9-8E7A-F7D74819B97E}" v="8" dt="2022-03-10T00:47:12.906"/>
   </p1510:revLst>
 </p1510:revInfo>
 </file>
@@ -139,8 +141,8 @@
 <pc:chgInfo xmlns:a="http://schemas.openxmlformats.org/drawingml/2006/main" xmlns:r="http://schemas.openxmlformats.org/officeDocument/2006/relationships" xmlns:ac="http://schemas.microsoft.com/office/drawing/2013/main/command" xmlns:pc="http://schemas.microsoft.com/office/powerpoint/2013/main/command">
   <pc:docChgLst>
     <pc:chgData name="Josh Wells" userId="b4e6e8a058fd5eea" providerId="LiveId" clId="{DCAE0532-CEAF-47B9-8E7A-F7D74819B97E}"/>
-    <pc:docChg chg="custSel addSld delSld modSld">
-      <pc:chgData name="Josh Wells" userId="b4e6e8a058fd5eea" providerId="LiveId" clId="{DCAE0532-CEAF-47B9-8E7A-F7D74819B97E}" dt="2022-03-10T00:09:01.266" v="3268" actId="478"/>
+    <pc:docChg chg="undo custSel addSld delSld modSld">
+      <pc:chgData name="Josh Wells" userId="b4e6e8a058fd5eea" providerId="LiveId" clId="{DCAE0532-CEAF-47B9-8E7A-F7D74819B97E}" dt="2022-03-10T01:29:28.409" v="4369" actId="20577"/>
       <pc:docMkLst>
         <pc:docMk/>
       </pc:docMkLst>
@@ -305,14 +307,14 @@
           </ac:spMkLst>
         </pc:spChg>
       </pc:sldChg>
-      <pc:sldChg chg="delSp modSp new mod">
-        <pc:chgData name="Josh Wells" userId="b4e6e8a058fd5eea" providerId="LiveId" clId="{DCAE0532-CEAF-47B9-8E7A-F7D74819B97E}" dt="2022-03-10T00:09:01.266" v="3268" actId="478"/>
+      <pc:sldChg chg="addSp delSp modSp new mod setBg">
+        <pc:chgData name="Josh Wells" userId="b4e6e8a058fd5eea" providerId="LiveId" clId="{DCAE0532-CEAF-47B9-8E7A-F7D74819B97E}" dt="2022-03-10T00:48:15.117" v="3319" actId="14100"/>
         <pc:sldMkLst>
           <pc:docMk/>
           <pc:sldMk cId="1656603329" sldId="286"/>
         </pc:sldMkLst>
         <pc:spChg chg="mod">
-          <ac:chgData name="Josh Wells" userId="b4e6e8a058fd5eea" providerId="LiveId" clId="{DCAE0532-CEAF-47B9-8E7A-F7D74819B97E}" dt="2022-03-10T00:06:44.944" v="3067" actId="20577"/>
+          <ac:chgData name="Josh Wells" userId="b4e6e8a058fd5eea" providerId="LiveId" clId="{DCAE0532-CEAF-47B9-8E7A-F7D74819B97E}" dt="2022-03-10T00:48:15.117" v="3319" actId="14100"/>
           <ac:spMkLst>
             <pc:docMk/>
             <pc:sldMk cId="1656603329" sldId="286"/>
@@ -327,15 +329,55 @@
             <ac:spMk id="3" creationId="{753A160B-A185-43CA-9A83-46D3A623D6D5}"/>
           </ac:spMkLst>
         </pc:spChg>
+        <pc:spChg chg="add mod">
+          <ac:chgData name="Josh Wells" userId="b4e6e8a058fd5eea" providerId="LiveId" clId="{DCAE0532-CEAF-47B9-8E7A-F7D74819B97E}" dt="2022-03-10T00:48:08.053" v="3318" actId="1076"/>
+          <ac:spMkLst>
+            <pc:docMk/>
+            <pc:sldMk cId="1656603329" sldId="286"/>
+            <ac:spMk id="5" creationId="{FA59A108-E704-4B8C-B1B1-C762872A0E99}"/>
+          </ac:spMkLst>
+        </pc:spChg>
+        <pc:spChg chg="add">
+          <ac:chgData name="Josh Wells" userId="b4e6e8a058fd5eea" providerId="LiveId" clId="{DCAE0532-CEAF-47B9-8E7A-F7D74819B97E}" dt="2022-03-10T00:44:21.317" v="3273" actId="26606"/>
+          <ac:spMkLst>
+            <pc:docMk/>
+            <pc:sldMk cId="1656603329" sldId="286"/>
+            <ac:spMk id="9" creationId="{1E70A317-DCED-4E80-AA2D-467D8702E5CB}"/>
+          </ac:spMkLst>
+        </pc:spChg>
+        <pc:spChg chg="add">
+          <ac:chgData name="Josh Wells" userId="b4e6e8a058fd5eea" providerId="LiveId" clId="{DCAE0532-CEAF-47B9-8E7A-F7D74819B97E}" dt="2022-03-10T00:44:21.317" v="3273" actId="26606"/>
+          <ac:spMkLst>
+            <pc:docMk/>
+            <pc:sldMk cId="1656603329" sldId="286"/>
+            <ac:spMk id="11" creationId="{A6D87845-294F-40CB-BC48-46455460D292}"/>
+          </ac:spMkLst>
+        </pc:spChg>
+        <pc:picChg chg="add mod modCrop">
+          <ac:chgData name="Josh Wells" userId="b4e6e8a058fd5eea" providerId="LiveId" clId="{DCAE0532-CEAF-47B9-8E7A-F7D74819B97E}" dt="2022-03-10T00:47:59.732" v="3313" actId="1076"/>
+          <ac:picMkLst>
+            <pc:docMk/>
+            <pc:sldMk cId="1656603329" sldId="286"/>
+            <ac:picMk id="4" creationId="{F237AC33-D151-4D05-85F7-AF85F0472FAD}"/>
+          </ac:picMkLst>
+        </pc:picChg>
+        <pc:picChg chg="add mod modCrop">
+          <ac:chgData name="Josh Wells" userId="b4e6e8a058fd5eea" providerId="LiveId" clId="{DCAE0532-CEAF-47B9-8E7A-F7D74819B97E}" dt="2022-03-10T00:48:03.344" v="3315" actId="14100"/>
+          <ac:picMkLst>
+            <pc:docMk/>
+            <pc:sldMk cId="1656603329" sldId="286"/>
+            <ac:picMk id="7" creationId="{DBA10F00-C1DB-4D35-B568-3961EF494420}"/>
+          </ac:picMkLst>
+        </pc:picChg>
       </pc:sldChg>
-      <pc:sldChg chg="delSp modSp new mod">
-        <pc:chgData name="Josh Wells" userId="b4e6e8a058fd5eea" providerId="LiveId" clId="{DCAE0532-CEAF-47B9-8E7A-F7D74819B97E}" dt="2022-03-10T00:08:59.847" v="3267" actId="478"/>
+      <pc:sldChg chg="addSp delSp modSp new mod setBg addAnim">
+        <pc:chgData name="Josh Wells" userId="b4e6e8a058fd5eea" providerId="LiveId" clId="{DCAE0532-CEAF-47B9-8E7A-F7D74819B97E}" dt="2022-03-10T00:46:34.840" v="3296"/>
         <pc:sldMkLst>
           <pc:docMk/>
           <pc:sldMk cId="2354636244" sldId="287"/>
         </pc:sldMkLst>
         <pc:spChg chg="mod">
-          <ac:chgData name="Josh Wells" userId="b4e6e8a058fd5eea" providerId="LiveId" clId="{DCAE0532-CEAF-47B9-8E7A-F7D74819B97E}" dt="2022-03-10T00:06:54.302" v="3084" actId="20577"/>
+          <ac:chgData name="Josh Wells" userId="b4e6e8a058fd5eea" providerId="LiveId" clId="{DCAE0532-CEAF-47B9-8E7A-F7D74819B97E}" dt="2022-03-10T00:46:34.839" v="3295" actId="26606"/>
           <ac:spMkLst>
             <pc:docMk/>
             <pc:sldMk cId="2354636244" sldId="287"/>
@@ -350,15 +392,39 @@
             <ac:spMk id="3" creationId="{66185B16-D613-48A3-9E5E-630459C00D79}"/>
           </ac:spMkLst>
         </pc:spChg>
+        <pc:spChg chg="add">
+          <ac:chgData name="Josh Wells" userId="b4e6e8a058fd5eea" providerId="LiveId" clId="{DCAE0532-CEAF-47B9-8E7A-F7D74819B97E}" dt="2022-03-10T00:46:34.839" v="3295" actId="26606"/>
+          <ac:spMkLst>
+            <pc:docMk/>
+            <pc:sldMk cId="2354636244" sldId="287"/>
+            <ac:spMk id="9" creationId="{72CA733A-8D25-4E63-8273-CC14052E0E8A}"/>
+          </ac:spMkLst>
+        </pc:spChg>
+        <pc:picChg chg="add mod">
+          <ac:chgData name="Josh Wells" userId="b4e6e8a058fd5eea" providerId="LiveId" clId="{DCAE0532-CEAF-47B9-8E7A-F7D74819B97E}" dt="2022-03-10T00:46:34.839" v="3295" actId="26606"/>
+          <ac:picMkLst>
+            <pc:docMk/>
+            <pc:sldMk cId="2354636244" sldId="287"/>
+            <ac:picMk id="4" creationId="{78189295-D26B-4CBB-84E4-D5C43894B911}"/>
+          </ac:picMkLst>
+        </pc:picChg>
+        <pc:picChg chg="add">
+          <ac:chgData name="Josh Wells" userId="b4e6e8a058fd5eea" providerId="LiveId" clId="{DCAE0532-CEAF-47B9-8E7A-F7D74819B97E}" dt="2022-03-10T00:46:34.839" v="3295" actId="26606"/>
+          <ac:picMkLst>
+            <pc:docMk/>
+            <pc:sldMk cId="2354636244" sldId="287"/>
+            <ac:picMk id="11" creationId="{2BFB581C-2142-4222-9A3B-905AD6C09535}"/>
+          </ac:picMkLst>
+        </pc:picChg>
       </pc:sldChg>
-      <pc:sldChg chg="delSp modSp new mod">
-        <pc:chgData name="Josh Wells" userId="b4e6e8a058fd5eea" providerId="LiveId" clId="{DCAE0532-CEAF-47B9-8E7A-F7D74819B97E}" dt="2022-03-10T00:08:58.128" v="3266" actId="478"/>
+      <pc:sldChg chg="addSp delSp modSp new mod setBg addAnim">
+        <pc:chgData name="Josh Wells" userId="b4e6e8a058fd5eea" providerId="LiveId" clId="{DCAE0532-CEAF-47B9-8E7A-F7D74819B97E}" dt="2022-03-10T00:46:49.895" v="3301"/>
         <pc:sldMkLst>
           <pc:docMk/>
           <pc:sldMk cId="2949503247" sldId="288"/>
         </pc:sldMkLst>
         <pc:spChg chg="mod">
-          <ac:chgData name="Josh Wells" userId="b4e6e8a058fd5eea" providerId="LiveId" clId="{DCAE0532-CEAF-47B9-8E7A-F7D74819B97E}" dt="2022-03-10T00:07:14.910" v="3109" actId="20577"/>
+          <ac:chgData name="Josh Wells" userId="b4e6e8a058fd5eea" providerId="LiveId" clId="{DCAE0532-CEAF-47B9-8E7A-F7D74819B97E}" dt="2022-03-10T00:46:49.895" v="3300" actId="26606"/>
           <ac:spMkLst>
             <pc:docMk/>
             <pc:sldMk cId="2949503247" sldId="288"/>
@@ -373,15 +439,39 @@
             <ac:spMk id="3" creationId="{B4211E8D-6FB4-403F-B414-20445FA487A2}"/>
           </ac:spMkLst>
         </pc:spChg>
+        <pc:spChg chg="add">
+          <ac:chgData name="Josh Wells" userId="b4e6e8a058fd5eea" providerId="LiveId" clId="{DCAE0532-CEAF-47B9-8E7A-F7D74819B97E}" dt="2022-03-10T00:46:49.895" v="3300" actId="26606"/>
+          <ac:spMkLst>
+            <pc:docMk/>
+            <pc:sldMk cId="2949503247" sldId="288"/>
+            <ac:spMk id="9" creationId="{72CA733A-8D25-4E63-8273-CC14052E0E8A}"/>
+          </ac:spMkLst>
+        </pc:spChg>
+        <pc:picChg chg="add mod">
+          <ac:chgData name="Josh Wells" userId="b4e6e8a058fd5eea" providerId="LiveId" clId="{DCAE0532-CEAF-47B9-8E7A-F7D74819B97E}" dt="2022-03-10T00:46:49.895" v="3300" actId="26606"/>
+          <ac:picMkLst>
+            <pc:docMk/>
+            <pc:sldMk cId="2949503247" sldId="288"/>
+            <ac:picMk id="4" creationId="{CCA6B3E9-CC37-4EB8-B98B-F9BB345A4348}"/>
+          </ac:picMkLst>
+        </pc:picChg>
+        <pc:picChg chg="add">
+          <ac:chgData name="Josh Wells" userId="b4e6e8a058fd5eea" providerId="LiveId" clId="{DCAE0532-CEAF-47B9-8E7A-F7D74819B97E}" dt="2022-03-10T00:46:49.895" v="3300" actId="26606"/>
+          <ac:picMkLst>
+            <pc:docMk/>
+            <pc:sldMk cId="2949503247" sldId="288"/>
+            <ac:picMk id="11" creationId="{2BFB581C-2142-4222-9A3B-905AD6C09535}"/>
+          </ac:picMkLst>
+        </pc:picChg>
       </pc:sldChg>
-      <pc:sldChg chg="delSp modSp new mod">
-        <pc:chgData name="Josh Wells" userId="b4e6e8a058fd5eea" providerId="LiveId" clId="{DCAE0532-CEAF-47B9-8E7A-F7D74819B97E}" dt="2022-03-10T00:08:55.544" v="3265" actId="478"/>
+      <pc:sldChg chg="addSp delSp modSp new mod setBg addAnim">
+        <pc:chgData name="Josh Wells" userId="b4e6e8a058fd5eea" providerId="LiveId" clId="{DCAE0532-CEAF-47B9-8E7A-F7D74819B97E}" dt="2022-03-10T00:47:03.441" v="3306"/>
         <pc:sldMkLst>
           <pc:docMk/>
           <pc:sldMk cId="3429285621" sldId="289"/>
         </pc:sldMkLst>
         <pc:spChg chg="mod">
-          <ac:chgData name="Josh Wells" userId="b4e6e8a058fd5eea" providerId="LiveId" clId="{DCAE0532-CEAF-47B9-8E7A-F7D74819B97E}" dt="2022-03-10T00:07:20.708" v="3129" actId="20577"/>
+          <ac:chgData name="Josh Wells" userId="b4e6e8a058fd5eea" providerId="LiveId" clId="{DCAE0532-CEAF-47B9-8E7A-F7D74819B97E}" dt="2022-03-10T00:47:03.440" v="3305" actId="26606"/>
           <ac:spMkLst>
             <pc:docMk/>
             <pc:sldMk cId="3429285621" sldId="289"/>
@@ -396,15 +486,39 @@
             <ac:spMk id="3" creationId="{82261E9D-17D8-4E8B-86CA-19C8B1D0EE74}"/>
           </ac:spMkLst>
         </pc:spChg>
+        <pc:spChg chg="add">
+          <ac:chgData name="Josh Wells" userId="b4e6e8a058fd5eea" providerId="LiveId" clId="{DCAE0532-CEAF-47B9-8E7A-F7D74819B97E}" dt="2022-03-10T00:47:03.440" v="3305" actId="26606"/>
+          <ac:spMkLst>
+            <pc:docMk/>
+            <pc:sldMk cId="3429285621" sldId="289"/>
+            <ac:spMk id="9" creationId="{72CA733A-8D25-4E63-8273-CC14052E0E8A}"/>
+          </ac:spMkLst>
+        </pc:spChg>
+        <pc:picChg chg="add mod">
+          <ac:chgData name="Josh Wells" userId="b4e6e8a058fd5eea" providerId="LiveId" clId="{DCAE0532-CEAF-47B9-8E7A-F7D74819B97E}" dt="2022-03-10T00:47:03.440" v="3305" actId="26606"/>
+          <ac:picMkLst>
+            <pc:docMk/>
+            <pc:sldMk cId="3429285621" sldId="289"/>
+            <ac:picMk id="4" creationId="{06B562E5-0EB2-4D4B-96CA-E9A10681FA2D}"/>
+          </ac:picMkLst>
+        </pc:picChg>
+        <pc:picChg chg="add">
+          <ac:chgData name="Josh Wells" userId="b4e6e8a058fd5eea" providerId="LiveId" clId="{DCAE0532-CEAF-47B9-8E7A-F7D74819B97E}" dt="2022-03-10T00:47:03.440" v="3305" actId="26606"/>
+          <ac:picMkLst>
+            <pc:docMk/>
+            <pc:sldMk cId="3429285621" sldId="289"/>
+            <ac:picMk id="11" creationId="{2BFB581C-2142-4222-9A3B-905AD6C09535}"/>
+          </ac:picMkLst>
+        </pc:picChg>
       </pc:sldChg>
-      <pc:sldChg chg="delSp modSp new mod">
-        <pc:chgData name="Josh Wells" userId="b4e6e8a058fd5eea" providerId="LiveId" clId="{DCAE0532-CEAF-47B9-8E7A-F7D74819B97E}" dt="2022-03-10T00:08:54.108" v="3264" actId="478"/>
+      <pc:sldChg chg="addSp delSp modSp new mod setBg addAnim">
+        <pc:chgData name="Josh Wells" userId="b4e6e8a058fd5eea" providerId="LiveId" clId="{DCAE0532-CEAF-47B9-8E7A-F7D74819B97E}" dt="2022-03-10T00:47:14.850" v="3311"/>
         <pc:sldMkLst>
           <pc:docMk/>
           <pc:sldMk cId="442961491" sldId="290"/>
         </pc:sldMkLst>
         <pc:spChg chg="mod">
-          <ac:chgData name="Josh Wells" userId="b4e6e8a058fd5eea" providerId="LiveId" clId="{DCAE0532-CEAF-47B9-8E7A-F7D74819B97E}" dt="2022-03-10T00:08:10.818" v="3167" actId="20577"/>
+          <ac:chgData name="Josh Wells" userId="b4e6e8a058fd5eea" providerId="LiveId" clId="{DCAE0532-CEAF-47B9-8E7A-F7D74819B97E}" dt="2022-03-10T00:47:14.849" v="3310" actId="26606"/>
           <ac:spMkLst>
             <pc:docMk/>
             <pc:sldMk cId="442961491" sldId="290"/>
@@ -419,6 +533,53 @@
             <ac:spMk id="3" creationId="{F172067F-81A6-487C-A034-81FC9D7D5268}"/>
           </ac:spMkLst>
         </pc:spChg>
+        <pc:spChg chg="add">
+          <ac:chgData name="Josh Wells" userId="b4e6e8a058fd5eea" providerId="LiveId" clId="{DCAE0532-CEAF-47B9-8E7A-F7D74819B97E}" dt="2022-03-10T00:47:14.849" v="3310" actId="26606"/>
+          <ac:spMkLst>
+            <pc:docMk/>
+            <pc:sldMk cId="442961491" sldId="290"/>
+            <ac:spMk id="9" creationId="{72CA733A-8D25-4E63-8273-CC14052E0E8A}"/>
+          </ac:spMkLst>
+        </pc:spChg>
+        <pc:picChg chg="add mod">
+          <ac:chgData name="Josh Wells" userId="b4e6e8a058fd5eea" providerId="LiveId" clId="{DCAE0532-CEAF-47B9-8E7A-F7D74819B97E}" dt="2022-03-10T00:47:14.849" v="3310" actId="26606"/>
+          <ac:picMkLst>
+            <pc:docMk/>
+            <pc:sldMk cId="442961491" sldId="290"/>
+            <ac:picMk id="4" creationId="{449F11E3-C555-4B10-A23D-B823B7F910B2}"/>
+          </ac:picMkLst>
+        </pc:picChg>
+        <pc:picChg chg="add">
+          <ac:chgData name="Josh Wells" userId="b4e6e8a058fd5eea" providerId="LiveId" clId="{DCAE0532-CEAF-47B9-8E7A-F7D74819B97E}" dt="2022-03-10T00:47:14.849" v="3310" actId="26606"/>
+          <ac:picMkLst>
+            <pc:docMk/>
+            <pc:sldMk cId="442961491" sldId="290"/>
+            <ac:picMk id="11" creationId="{2BFB581C-2142-4222-9A3B-905AD6C09535}"/>
+          </ac:picMkLst>
+        </pc:picChg>
+      </pc:sldChg>
+      <pc:sldChg chg="modSp new mod">
+        <pc:chgData name="Josh Wells" userId="b4e6e8a058fd5eea" providerId="LiveId" clId="{DCAE0532-CEAF-47B9-8E7A-F7D74819B97E}" dt="2022-03-10T01:19:14.516" v="3932" actId="20577"/>
+        <pc:sldMkLst>
+          <pc:docMk/>
+          <pc:sldMk cId="884999259" sldId="291"/>
+        </pc:sldMkLst>
+        <pc:spChg chg="mod">
+          <ac:chgData name="Josh Wells" userId="b4e6e8a058fd5eea" providerId="LiveId" clId="{DCAE0532-CEAF-47B9-8E7A-F7D74819B97E}" dt="2022-03-10T00:51:01.479" v="3360" actId="20577"/>
+          <ac:spMkLst>
+            <pc:docMk/>
+            <pc:sldMk cId="884999259" sldId="291"/>
+            <ac:spMk id="2" creationId="{27604ADD-C872-42DB-BE51-54DDEA983ABE}"/>
+          </ac:spMkLst>
+        </pc:spChg>
+        <pc:spChg chg="mod">
+          <ac:chgData name="Josh Wells" userId="b4e6e8a058fd5eea" providerId="LiveId" clId="{DCAE0532-CEAF-47B9-8E7A-F7D74819B97E}" dt="2022-03-10T01:19:14.516" v="3932" actId="20577"/>
+          <ac:spMkLst>
+            <pc:docMk/>
+            <pc:sldMk cId="884999259" sldId="291"/>
+            <ac:spMk id="3" creationId="{60498EBE-9D24-4562-ACF5-F2B7697A323C}"/>
+          </ac:spMkLst>
+        </pc:spChg>
       </pc:sldChg>
       <pc:sldChg chg="new del">
         <pc:chgData name="Josh Wells" userId="b4e6e8a058fd5eea" providerId="LiveId" clId="{DCAE0532-CEAF-47B9-8E7A-F7D74819B97E}" dt="2022-03-10T00:07:52.946" v="3143" actId="2696"/>
@@ -426,6 +587,29 @@
           <pc:docMk/>
           <pc:sldMk cId="1561810845" sldId="291"/>
         </pc:sldMkLst>
+      </pc:sldChg>
+      <pc:sldChg chg="modSp new mod">
+        <pc:chgData name="Josh Wells" userId="b4e6e8a058fd5eea" providerId="LiveId" clId="{DCAE0532-CEAF-47B9-8E7A-F7D74819B97E}" dt="2022-03-10T01:29:28.409" v="4369" actId="20577"/>
+        <pc:sldMkLst>
+          <pc:docMk/>
+          <pc:sldMk cId="6264988" sldId="292"/>
+        </pc:sldMkLst>
+        <pc:spChg chg="mod">
+          <ac:chgData name="Josh Wells" userId="b4e6e8a058fd5eea" providerId="LiveId" clId="{DCAE0532-CEAF-47B9-8E7A-F7D74819B97E}" dt="2022-03-10T01:26:56.685" v="3962" actId="20577"/>
+          <ac:spMkLst>
+            <pc:docMk/>
+            <pc:sldMk cId="6264988" sldId="292"/>
+            <ac:spMk id="2" creationId="{F452E9C6-E562-4566-A7DD-3E78A029F25C}"/>
+          </ac:spMkLst>
+        </pc:spChg>
+        <pc:spChg chg="mod">
+          <ac:chgData name="Josh Wells" userId="b4e6e8a058fd5eea" providerId="LiveId" clId="{DCAE0532-CEAF-47B9-8E7A-F7D74819B97E}" dt="2022-03-10T01:29:28.409" v="4369" actId="20577"/>
+          <ac:spMkLst>
+            <pc:docMk/>
+            <pc:sldMk cId="6264988" sldId="292"/>
+            <ac:spMk id="3" creationId="{8025AB04-5710-49EC-8109-1549E19ABAF0}"/>
+          </ac:spMkLst>
+        </pc:spChg>
       </pc:sldChg>
     </pc:docChg>
   </pc:docChgLst>
@@ -514,7 +698,7 @@
           <a:p>
             <a:fld id="{AFD01546-198A-4195-BCF8-F0FF54C90E5E}" type="datetimeFigureOut">
               <a:rPr lang="en-US" smtClean="0"/>
-              <a:t>3/9/2022</a:t>
+              <a:t>3/10/2022</a:t>
             </a:fld>
             <a:endParaRPr lang="en-US" dirty="0"/>
           </a:p>
@@ -1110,7 +1294,7 @@
           <a:p>
             <a:fld id="{88D38747-4367-4BD2-8D51-C97E202738E2}" type="datetime1">
               <a:rPr lang="en-US" smtClean="0"/>
-              <a:t>3/9/2022</a:t>
+              <a:t>3/10/2022</a:t>
             </a:fld>
             <a:endParaRPr lang="en-US" dirty="0"/>
           </a:p>
@@ -1415,7 +1599,7 @@
           <a:p>
             <a:fld id="{11F1B079-7EF0-44EE-B798-BCC497C9F3B2}" type="datetime1">
               <a:rPr lang="en-US" smtClean="0"/>
-              <a:t>3/9/2022</a:t>
+              <a:t>3/10/2022</a:t>
             </a:fld>
             <a:endParaRPr lang="en-US" dirty="0"/>
           </a:p>
@@ -1609,7 +1793,7 @@
           <a:p>
             <a:fld id="{28FF70A8-1D13-4657-95F0-A9EA54967B8D}" type="datetime1">
               <a:rPr lang="en-US" smtClean="0"/>
-              <a:t>3/9/2022</a:t>
+              <a:t>3/10/2022</a:t>
             </a:fld>
             <a:endParaRPr lang="en-US" dirty="0"/>
           </a:p>
@@ -1872,7 +2056,7 @@
           <a:p>
             <a:fld id="{21EB90AC-71BD-4C7F-8ACA-7B3F18292E63}" type="datetime1">
               <a:rPr lang="en-US" smtClean="0"/>
-              <a:t>3/9/2022</a:t>
+              <a:t>3/10/2022</a:t>
             </a:fld>
             <a:endParaRPr lang="en-US" dirty="0"/>
           </a:p>
@@ -2308,7 +2492,7 @@
           <a:p>
             <a:fld id="{4E6EFC2C-8905-46F0-B443-CE905B76BA01}" type="datetime1">
               <a:rPr lang="en-US" smtClean="0"/>
-              <a:t>3/9/2022</a:t>
+              <a:t>3/10/2022</a:t>
             </a:fld>
             <a:endParaRPr lang="en-US" dirty="0"/>
           </a:p>
@@ -2845,7 +3029,7 @@
           <a:p>
             <a:fld id="{D9079DC3-C9B5-499E-9140-0DC28B7074E2}" type="datetime1">
               <a:rPr lang="en-US" smtClean="0"/>
-              <a:t>3/9/2022</a:t>
+              <a:t>3/10/2022</a:t>
             </a:fld>
             <a:endParaRPr lang="en-US" dirty="0"/>
           </a:p>
@@ -3727,7 +3911,7 @@
           <a:p>
             <a:fld id="{30BB33EA-E472-4D22-9C03-A9C14AA21CED}" type="datetime1">
               <a:rPr lang="en-US" smtClean="0"/>
-              <a:t>3/9/2022</a:t>
+              <a:t>3/10/2022</a:t>
             </a:fld>
             <a:endParaRPr lang="en-US" dirty="0"/>
           </a:p>
@@ -3897,7 +4081,7 @@
           <a:p>
             <a:fld id="{73C55A3C-5767-4844-A0A3-83778C2E5409}" type="datetime1">
               <a:rPr lang="en-US" smtClean="0"/>
-              <a:t>3/9/2022</a:t>
+              <a:t>3/10/2022</a:t>
             </a:fld>
             <a:endParaRPr lang="en-US" dirty="0"/>
           </a:p>
@@ -4141,7 +4325,7 @@
           <a:p>
             <a:fld id="{CAE507A8-A5CF-4D38-AB86-7EDDA87A85D4}" type="datetime1">
               <a:rPr lang="en-US" smtClean="0"/>
-              <a:t>3/9/2022</a:t>
+              <a:t>3/10/2022</a:t>
             </a:fld>
             <a:endParaRPr lang="en-US" dirty="0"/>
           </a:p>
@@ -4383,7 +4567,7 @@
           <a:p>
             <a:fld id="{BDFCD27C-8599-43EF-BA1D-14DDC1946E06}" type="datetime1">
               <a:rPr lang="en-US" smtClean="0"/>
-              <a:t>3/9/2022</a:t>
+              <a:t>3/10/2022</a:t>
             </a:fld>
             <a:endParaRPr lang="en-US" dirty="0"/>
           </a:p>
@@ -4866,7 +5050,7 @@
           <a:p>
             <a:fld id="{49343D99-809A-49C0-96E5-4250D0B498EE}" type="datetime1">
               <a:rPr lang="en-US" smtClean="0"/>
-              <a:t>3/9/2022</a:t>
+              <a:t>3/10/2022</a:t>
             </a:fld>
             <a:endParaRPr lang="en-US" dirty="0"/>
           </a:p>
@@ -4984,7 +5168,7 @@
           <a:p>
             <a:fld id="{A143DE9B-B678-4EFB-BB7D-A4370204A0B0}" type="datetime1">
               <a:rPr lang="en-US" smtClean="0"/>
-              <a:t>3/9/2022</a:t>
+              <a:t>3/10/2022</a:t>
             </a:fld>
             <a:endParaRPr lang="en-US" dirty="0"/>
           </a:p>
@@ -5079,7 +5263,7 @@
           <a:p>
             <a:fld id="{E68812DA-F765-4142-A6A3-A8ED7235E082}" type="datetime1">
               <a:rPr lang="en-US" smtClean="0"/>
-              <a:t>3/9/2022</a:t>
+              <a:t>3/10/2022</a:t>
             </a:fld>
             <a:endParaRPr lang="en-US" dirty="0"/>
           </a:p>
@@ -5334,7 +5518,7 @@
           <a:p>
             <a:fld id="{3E0277FD-7DE6-41D4-930D-AC99F5AFE54E}" type="datetime1">
               <a:rPr lang="en-US" smtClean="0"/>
-              <a:t>3/9/2022</a:t>
+              <a:t>3/10/2022</a:t>
             </a:fld>
             <a:endParaRPr lang="en-US" dirty="0"/>
           </a:p>
@@ -5641,7 +5825,7 @@
           <a:p>
             <a:fld id="{9EA15526-7079-4B7B-987C-1B5FAE11A0FF}" type="datetime1">
               <a:rPr lang="en-US" smtClean="0"/>
-              <a:t>3/9/2022</a:t>
+              <a:t>3/10/2022</a:t>
             </a:fld>
             <a:endParaRPr lang="en-US" dirty="0"/>
           </a:p>
@@ -5876,7 +6060,7 @@
           <a:p>
             <a:fld id="{073ED0CC-082F-4160-86E5-0D6041F12778}" type="datetime1">
               <a:rPr lang="en-US" smtClean="0"/>
-              <a:t>3/9/2022</a:t>
+              <a:t>3/10/2022</a:t>
             </a:fld>
             <a:endParaRPr lang="en-US" dirty="0"/>
           </a:p>
@@ -6794,7 +6978,7 @@
           </a:effectLst>
           <a:extLst>
             <a:ext uri="{91240B29-F687-4f45-9708-019B960494DF}">
-              <a14:hiddenLine xmlns:a16="http://schemas.microsoft.com/office/drawing/2014/main" xmlns:p14="http://schemas.microsoft.com/office/powerpoint/2010/main" xmlns:a14="http://schemas.microsoft.com/office/drawing/2010/main" xmlns="" w="9525">
+              <a14:hiddenLine xmlns="" xmlns:a14="http://schemas.microsoft.com/office/drawing/2010/main" xmlns:p14="http://schemas.microsoft.com/office/powerpoint/2010/main" xmlns:a16="http://schemas.microsoft.com/office/drawing/2014/main" w="9525">
                 <a:solidFill>
                   <a:srgbClr val="000000"/>
                 </a:solidFill>
@@ -6935,6 +7119,25 @@
 <file path=ppt/slides/slide10.xml><?xml version="1.0" encoding="utf-8"?>
 <p:sld xmlns:a="http://schemas.openxmlformats.org/drawingml/2006/main" xmlns:r="http://schemas.openxmlformats.org/officeDocument/2006/relationships" xmlns:p="http://schemas.openxmlformats.org/presentationml/2006/main">
   <p:cSld>
+    <p:bg>
+      <p:bgPr>
+        <a:blipFill rotWithShape="1">
+          <a:blip r:embed="rId2">
+            <a:duotone>
+              <a:schemeClr val="bg1">
+                <a:shade val="80000"/>
+                <a:lumMod val="80000"/>
+              </a:schemeClr>
+              <a:schemeClr val="bg1">
+                <a:tint val="98000"/>
+              </a:schemeClr>
+            </a:duotone>
+          </a:blip>
+          <a:stretch/>
+        </a:blipFill>
+        <a:effectLst/>
+      </p:bgPr>
+    </p:bg>
     <p:spTree>
       <p:nvGrpSpPr>
         <p:cNvPr id="1" name=""/>
@@ -6949,6 +7152,66 @@
           <a:chExt cx="0" cy="0"/>
         </a:xfrm>
       </p:grpSpPr>
+      <p:sp useBgFill="1">
+        <p:nvSpPr>
+          <p:cNvPr id="9" name="Rectangle 8">
+            <a:extLst>
+              <a:ext uri="{FF2B5EF4-FFF2-40B4-BE49-F238E27FC236}">
+                <a16:creationId xmlns:a16="http://schemas.microsoft.com/office/drawing/2014/main" id="{72CA733A-8D25-4E63-8273-CC14052E0E8A}"/>
+              </a:ext>
+              <a:ext uri="{C183D7F6-B498-43B3-948B-1728B52AA6E4}">
+                <adec:decorative xmlns:adec="http://schemas.microsoft.com/office/drawing/2017/decorative" val="1"/>
+              </a:ext>
+            </a:extLst>
+          </p:cNvPr>
+          <p:cNvSpPr>
+            <a:spLocks noGrp="1" noRot="1" noChangeAspect="1" noMove="1" noResize="1" noEditPoints="1" noAdjustHandles="1" noChangeArrowheads="1" noChangeShapeType="1" noTextEdit="1"/>
+          </p:cNvSpPr>
+          <p:nvPr>
+            <p:extLst>
+              <p:ext uri="{386F3935-93C4-4BCD-93E2-E3B085C9AB24}">
+                <p16:designElem xmlns:p16="http://schemas.microsoft.com/office/powerpoint/2015/main" val="1"/>
+              </p:ext>
+            </p:extLst>
+          </p:nvPr>
+        </p:nvSpPr>
+        <p:spPr>
+          <a:xfrm>
+            <a:off x="0" y="0"/>
+            <a:ext cx="12192000" cy="6858000"/>
+          </a:xfrm>
+          <a:prstGeom prst="rect">
+            <a:avLst/>
+          </a:prstGeom>
+          <a:ln>
+            <a:noFill/>
+          </a:ln>
+        </p:spPr>
+        <p:style>
+          <a:lnRef idx="2">
+            <a:schemeClr val="accent1">
+              <a:shade val="50000"/>
+            </a:schemeClr>
+          </a:lnRef>
+          <a:fillRef idx="1">
+            <a:schemeClr val="accent1"/>
+          </a:fillRef>
+          <a:effectRef idx="0">
+            <a:schemeClr val="accent1"/>
+          </a:effectRef>
+          <a:fontRef idx="minor">
+            <a:schemeClr val="lt1"/>
+          </a:fontRef>
+        </p:style>
+        <p:txBody>
+          <a:bodyPr rtlCol="0" anchor="ctr"/>
+          <a:lstStyle/>
+          <a:p>
+            <a:pPr algn="ctr"/>
+            <a:endParaRPr lang="en-US"/>
+          </a:p>
+        </p:txBody>
+      </p:sp>
       <p:sp>
         <p:nvSpPr>
           <p:cNvPr id="2" name="Title 1">
@@ -6965,18 +7228,98 @@
             <p:ph type="title"/>
           </p:nvPr>
         </p:nvSpPr>
-        <p:spPr/>
-        <p:txBody>
-          <a:bodyPr/>
+        <p:spPr>
+          <a:xfrm>
+            <a:off x="1370693" y="4406537"/>
+            <a:ext cx="9440034" cy="1088336"/>
+          </a:xfrm>
+        </p:spPr>
+        <p:txBody>
+          <a:bodyPr vert="horz" lIns="91440" tIns="45720" rIns="91440" bIns="45720" rtlCol="0" anchor="b">
+            <a:normAutofit/>
+          </a:bodyPr>
           <a:lstStyle/>
           <a:p>
             <a:r>
-              <a:rPr lang="en-GB" dirty="0"/>
+              <a:rPr lang="en-US" sz="4800"/>
               <a:t>Convert to HSV</a:t>
             </a:r>
           </a:p>
         </p:txBody>
       </p:sp>
+      <p:pic>
+        <p:nvPicPr>
+          <p:cNvPr id="11" name="Picture 10">
+            <a:extLst>
+              <a:ext uri="{FF2B5EF4-FFF2-40B4-BE49-F238E27FC236}">
+                <a16:creationId xmlns:a16="http://schemas.microsoft.com/office/drawing/2014/main" id="{2BFB581C-2142-4222-9A3B-905AD6C09535}"/>
+              </a:ext>
+              <a:ext uri="{C183D7F6-B498-43B3-948B-1728B52AA6E4}">
+                <adec:decorative xmlns:adec="http://schemas.microsoft.com/office/drawing/2017/decorative" val="1"/>
+              </a:ext>
+            </a:extLst>
+          </p:cNvPr>
+          <p:cNvPicPr>
+            <a:picLocks noGrp="1" noRot="1" noChangeAspect="1" noMove="1" noResize="1" noEditPoints="1" noAdjustHandles="1" noChangeArrowheads="1" noChangeShapeType="1" noCrop="1"/>
+          </p:cNvPicPr>
+          <p:nvPr>
+            <p:extLst>
+              <p:ext uri="{386F3935-93C4-4BCD-93E2-E3B085C9AB24}">
+                <p16:designElem xmlns:p16="http://schemas.microsoft.com/office/powerpoint/2015/main" val="1"/>
+              </p:ext>
+            </p:extLst>
+          </p:nvPr>
+        </p:nvPicPr>
+        <p:blipFill rotWithShape="1">
+          <a:blip r:embed="rId3">
+            <a:extLst>
+              <a:ext uri="{28A0092B-C50C-407E-A947-70E740481C1C}">
+                <a14:useLocalDpi xmlns:a14="http://schemas.microsoft.com/office/drawing/2010/main" val="0"/>
+              </a:ext>
+            </a:extLst>
+          </a:blip>
+          <a:srcRect l="798" t="2669" r="616"/>
+          <a:stretch/>
+        </p:blipFill>
+        <p:spPr>
+          <a:xfrm>
+            <a:off x="-1" y="0"/>
+            <a:ext cx="12192001" cy="4322278"/>
+          </a:xfrm>
+          <a:prstGeom prst="rect">
+            <a:avLst/>
+          </a:prstGeom>
+        </p:spPr>
+      </p:pic>
+      <p:pic>
+        <p:nvPicPr>
+          <p:cNvPr id="4" name="Picture 3" descr="Shape, rectangle&#10;&#10;Description automatically generated">
+            <a:extLst>
+              <a:ext uri="{FF2B5EF4-FFF2-40B4-BE49-F238E27FC236}">
+                <a16:creationId xmlns:a16="http://schemas.microsoft.com/office/drawing/2014/main" id="{78189295-D26B-4CBB-84E4-D5C43894B911}"/>
+              </a:ext>
+            </a:extLst>
+          </p:cNvPr>
+          <p:cNvPicPr>
+            <a:picLocks noChangeAspect="1"/>
+          </p:cNvPicPr>
+          <p:nvPr/>
+        </p:nvPicPr>
+        <p:blipFill rotWithShape="1">
+          <a:blip r:embed="rId4"/>
+          <a:srcRect r="3177" b="1"/>
+          <a:stretch/>
+        </p:blipFill>
+        <p:spPr>
+          <a:xfrm>
+            <a:off x="-1" y="-1"/>
+            <a:ext cx="12198915" cy="4220682"/>
+          </a:xfrm>
+          <a:prstGeom prst="rect">
+            <a:avLst/>
+          </a:prstGeom>
+        </p:spPr>
+      </p:pic>
     </p:spTree>
     <p:extLst>
       <p:ext uri="{BB962C8B-B14F-4D97-AF65-F5344CB8AC3E}">
@@ -6987,10 +7330,1029 @@
   <p:clrMapOvr>
     <a:masterClrMapping/>
   </p:clrMapOvr>
+  <p:timing>
+    <p:tnLst>
+      <p:par>
+        <p:cTn id="1" dur="indefinite" restart="never" nodeType="tmRoot">
+          <p:childTnLst>
+            <p:seq concurrent="1" nextAc="seek">
+              <p:cTn id="2" dur="indefinite" nodeType="mainSeq">
+                <p:childTnLst>
+                  <p:par>
+                    <p:cTn id="3" fill="hold">
+                      <p:stCondLst>
+                        <p:cond delay="indefinite"/>
+                        <p:cond evt="onBegin" delay="0">
+                          <p:tn val="2"/>
+                        </p:cond>
+                      </p:stCondLst>
+                      <p:childTnLst>
+                        <p:par>
+                          <p:cTn id="4" fill="hold">
+                            <p:stCondLst>
+                              <p:cond delay="0"/>
+                            </p:stCondLst>
+                            <p:childTnLst>
+                              <p:par>
+                                <p:cTn id="5" presetID="10" presetClass="entr" presetSubtype="0" fill="hold" grpId="0" nodeType="withEffect">
+                                  <p:stCondLst>
+                                    <p:cond delay="1000"/>
+                                  </p:stCondLst>
+                                  <p:iterate type="lt">
+                                    <p:tmPct val="10000"/>
+                                  </p:iterate>
+                                  <p:childTnLst>
+                                    <p:set>
+                                      <p:cBhvr>
+                                        <p:cTn id="6" dur="1" fill="hold">
+                                          <p:stCondLst>
+                                            <p:cond delay="0"/>
+                                          </p:stCondLst>
+                                        </p:cTn>
+                                        <p:tgtEl>
+                                          <p:spTgt spid="2"/>
+                                        </p:tgtEl>
+                                        <p:attrNameLst>
+                                          <p:attrName>style.visibility</p:attrName>
+                                        </p:attrNameLst>
+                                      </p:cBhvr>
+                                      <p:to>
+                                        <p:strVal val="visible"/>
+                                      </p:to>
+                                    </p:set>
+                                    <p:animEffect transition="in" filter="fade">
+                                      <p:cBhvr>
+                                        <p:cTn id="7" dur="400"/>
+                                        <p:tgtEl>
+                                          <p:spTgt spid="2"/>
+                                        </p:tgtEl>
+                                      </p:cBhvr>
+                                    </p:animEffect>
+                                  </p:childTnLst>
+                                </p:cTn>
+                              </p:par>
+                            </p:childTnLst>
+                          </p:cTn>
+                        </p:par>
+                      </p:childTnLst>
+                    </p:cTn>
+                  </p:par>
+                </p:childTnLst>
+              </p:cTn>
+              <p:prevCondLst>
+                <p:cond evt="onPrev" delay="0">
+                  <p:tgtEl>
+                    <p:sldTgt/>
+                  </p:tgtEl>
+                </p:cond>
+              </p:prevCondLst>
+              <p:nextCondLst>
+                <p:cond evt="onNext" delay="0">
+                  <p:tgtEl>
+                    <p:sldTgt/>
+                  </p:tgtEl>
+                </p:cond>
+              </p:nextCondLst>
+            </p:seq>
+          </p:childTnLst>
+        </p:cTn>
+      </p:par>
+    </p:tnLst>
+    <p:bldLst>
+      <p:bldP spid="2" grpId="0"/>
+    </p:bldLst>
+  </p:timing>
 </p:sld>
 </file>
 
 <file path=ppt/slides/slide11.xml><?xml version="1.0" encoding="utf-8"?>
+<p:sld xmlns:a="http://schemas.openxmlformats.org/drawingml/2006/main" xmlns:r="http://schemas.openxmlformats.org/officeDocument/2006/relationships" xmlns:p="http://schemas.openxmlformats.org/presentationml/2006/main">
+  <p:cSld>
+    <p:bg>
+      <p:bgPr>
+        <a:blipFill rotWithShape="1">
+          <a:blip r:embed="rId2">
+            <a:duotone>
+              <a:schemeClr val="bg1">
+                <a:shade val="80000"/>
+                <a:lumMod val="80000"/>
+              </a:schemeClr>
+              <a:schemeClr val="bg1">
+                <a:tint val="98000"/>
+              </a:schemeClr>
+            </a:duotone>
+          </a:blip>
+          <a:stretch/>
+        </a:blipFill>
+        <a:effectLst/>
+      </p:bgPr>
+    </p:bg>
+    <p:spTree>
+      <p:nvGrpSpPr>
+        <p:cNvPr id="1" name=""/>
+        <p:cNvGrpSpPr/>
+        <p:nvPr/>
+      </p:nvGrpSpPr>
+      <p:grpSpPr>
+        <a:xfrm>
+          <a:off x="0" y="0"/>
+          <a:ext cx="0" cy="0"/>
+          <a:chOff x="0" y="0"/>
+          <a:chExt cx="0" cy="0"/>
+        </a:xfrm>
+      </p:grpSpPr>
+      <p:sp useBgFill="1">
+        <p:nvSpPr>
+          <p:cNvPr id="9" name="Rectangle 8">
+            <a:extLst>
+              <a:ext uri="{FF2B5EF4-FFF2-40B4-BE49-F238E27FC236}">
+                <a16:creationId xmlns:a16="http://schemas.microsoft.com/office/drawing/2014/main" id="{72CA733A-8D25-4E63-8273-CC14052E0E8A}"/>
+              </a:ext>
+              <a:ext uri="{C183D7F6-B498-43B3-948B-1728B52AA6E4}">
+                <adec:decorative xmlns:adec="http://schemas.microsoft.com/office/drawing/2017/decorative" val="1"/>
+              </a:ext>
+            </a:extLst>
+          </p:cNvPr>
+          <p:cNvSpPr>
+            <a:spLocks noGrp="1" noRot="1" noChangeAspect="1" noMove="1" noResize="1" noEditPoints="1" noAdjustHandles="1" noChangeArrowheads="1" noChangeShapeType="1" noTextEdit="1"/>
+          </p:cNvSpPr>
+          <p:nvPr>
+            <p:extLst>
+              <p:ext uri="{386F3935-93C4-4BCD-93E2-E3B085C9AB24}">
+                <p16:designElem xmlns:p16="http://schemas.microsoft.com/office/powerpoint/2015/main" val="1"/>
+              </p:ext>
+            </p:extLst>
+          </p:nvPr>
+        </p:nvSpPr>
+        <p:spPr>
+          <a:xfrm>
+            <a:off x="0" y="0"/>
+            <a:ext cx="12192000" cy="6858000"/>
+          </a:xfrm>
+          <a:prstGeom prst="rect">
+            <a:avLst/>
+          </a:prstGeom>
+          <a:ln>
+            <a:noFill/>
+          </a:ln>
+        </p:spPr>
+        <p:style>
+          <a:lnRef idx="2">
+            <a:schemeClr val="accent1">
+              <a:shade val="50000"/>
+            </a:schemeClr>
+          </a:lnRef>
+          <a:fillRef idx="1">
+            <a:schemeClr val="accent1"/>
+          </a:fillRef>
+          <a:effectRef idx="0">
+            <a:schemeClr val="accent1"/>
+          </a:effectRef>
+          <a:fontRef idx="minor">
+            <a:schemeClr val="lt1"/>
+          </a:fontRef>
+        </p:style>
+        <p:txBody>
+          <a:bodyPr rtlCol="0" anchor="ctr"/>
+          <a:lstStyle/>
+          <a:p>
+            <a:pPr algn="ctr"/>
+            <a:endParaRPr lang="en-US"/>
+          </a:p>
+        </p:txBody>
+      </p:sp>
+      <p:sp>
+        <p:nvSpPr>
+          <p:cNvPr id="2" name="Title 1">
+            <a:extLst>
+              <a:ext uri="{FF2B5EF4-FFF2-40B4-BE49-F238E27FC236}">
+                <a16:creationId xmlns:a16="http://schemas.microsoft.com/office/drawing/2014/main" id="{7FC0B1F5-238B-4E9D-9A5B-DC9A1A899917}"/>
+              </a:ext>
+            </a:extLst>
+          </p:cNvPr>
+          <p:cNvSpPr>
+            <a:spLocks noGrp="1"/>
+          </p:cNvSpPr>
+          <p:nvPr>
+            <p:ph type="title"/>
+          </p:nvPr>
+        </p:nvSpPr>
+        <p:spPr>
+          <a:xfrm>
+            <a:off x="1370693" y="4406537"/>
+            <a:ext cx="9440034" cy="1088336"/>
+          </a:xfrm>
+        </p:spPr>
+        <p:txBody>
+          <a:bodyPr vert="horz" lIns="91440" tIns="45720" rIns="91440" bIns="45720" rtlCol="0" anchor="b">
+            <a:normAutofit/>
+          </a:bodyPr>
+          <a:lstStyle/>
+          <a:p>
+            <a:r>
+              <a:rPr lang="en-US" sz="4800"/>
+              <a:t>Colour Mask</a:t>
+            </a:r>
+          </a:p>
+        </p:txBody>
+      </p:sp>
+      <p:pic>
+        <p:nvPicPr>
+          <p:cNvPr id="11" name="Picture 10">
+            <a:extLst>
+              <a:ext uri="{FF2B5EF4-FFF2-40B4-BE49-F238E27FC236}">
+                <a16:creationId xmlns:a16="http://schemas.microsoft.com/office/drawing/2014/main" id="{2BFB581C-2142-4222-9A3B-905AD6C09535}"/>
+              </a:ext>
+              <a:ext uri="{C183D7F6-B498-43B3-948B-1728B52AA6E4}">
+                <adec:decorative xmlns:adec="http://schemas.microsoft.com/office/drawing/2017/decorative" val="1"/>
+              </a:ext>
+            </a:extLst>
+          </p:cNvPr>
+          <p:cNvPicPr>
+            <a:picLocks noGrp="1" noRot="1" noChangeAspect="1" noMove="1" noResize="1" noEditPoints="1" noAdjustHandles="1" noChangeArrowheads="1" noChangeShapeType="1" noCrop="1"/>
+          </p:cNvPicPr>
+          <p:nvPr>
+            <p:extLst>
+              <p:ext uri="{386F3935-93C4-4BCD-93E2-E3B085C9AB24}">
+                <p16:designElem xmlns:p16="http://schemas.microsoft.com/office/powerpoint/2015/main" val="1"/>
+              </p:ext>
+            </p:extLst>
+          </p:nvPr>
+        </p:nvPicPr>
+        <p:blipFill rotWithShape="1">
+          <a:blip r:embed="rId3">
+            <a:extLst>
+              <a:ext uri="{28A0092B-C50C-407E-A947-70E740481C1C}">
+                <a14:useLocalDpi xmlns:a14="http://schemas.microsoft.com/office/drawing/2010/main" val="0"/>
+              </a:ext>
+            </a:extLst>
+          </a:blip>
+          <a:srcRect l="798" t="2669" r="616"/>
+          <a:stretch/>
+        </p:blipFill>
+        <p:spPr>
+          <a:xfrm>
+            <a:off x="-1" y="0"/>
+            <a:ext cx="12192001" cy="4322278"/>
+          </a:xfrm>
+          <a:prstGeom prst="rect">
+            <a:avLst/>
+          </a:prstGeom>
+        </p:spPr>
+      </p:pic>
+      <p:pic>
+        <p:nvPicPr>
+          <p:cNvPr id="4" name="Picture 3" descr="Graphical user interface&#10;&#10;Description automatically generated with medium confidence">
+            <a:extLst>
+              <a:ext uri="{FF2B5EF4-FFF2-40B4-BE49-F238E27FC236}">
+                <a16:creationId xmlns:a16="http://schemas.microsoft.com/office/drawing/2014/main" id="{CCA6B3E9-CC37-4EB8-B98B-F9BB345A4348}"/>
+              </a:ext>
+            </a:extLst>
+          </p:cNvPr>
+          <p:cNvPicPr>
+            <a:picLocks noChangeAspect="1"/>
+          </p:cNvPicPr>
+          <p:nvPr/>
+        </p:nvPicPr>
+        <p:blipFill rotWithShape="1">
+          <a:blip r:embed="rId4"/>
+          <a:srcRect r="-1" b="8950"/>
+          <a:stretch/>
+        </p:blipFill>
+        <p:spPr>
+          <a:xfrm>
+            <a:off x="-1" y="-1"/>
+            <a:ext cx="12198915" cy="4220682"/>
+          </a:xfrm>
+          <a:prstGeom prst="rect">
+            <a:avLst/>
+          </a:prstGeom>
+        </p:spPr>
+      </p:pic>
+    </p:spTree>
+    <p:extLst>
+      <p:ext uri="{BB962C8B-B14F-4D97-AF65-F5344CB8AC3E}">
+        <p14:creationId xmlns:p14="http://schemas.microsoft.com/office/powerpoint/2010/main" val="2949503247"/>
+      </p:ext>
+    </p:extLst>
+  </p:cSld>
+  <p:clrMapOvr>
+    <a:masterClrMapping/>
+  </p:clrMapOvr>
+  <p:timing>
+    <p:tnLst>
+      <p:par>
+        <p:cTn id="1" dur="indefinite" restart="never" nodeType="tmRoot">
+          <p:childTnLst>
+            <p:seq concurrent="1" nextAc="seek">
+              <p:cTn id="2" dur="indefinite" nodeType="mainSeq">
+                <p:childTnLst>
+                  <p:par>
+                    <p:cTn id="3" fill="hold">
+                      <p:stCondLst>
+                        <p:cond delay="indefinite"/>
+                        <p:cond evt="onBegin" delay="0">
+                          <p:tn val="2"/>
+                        </p:cond>
+                      </p:stCondLst>
+                      <p:childTnLst>
+                        <p:par>
+                          <p:cTn id="4" fill="hold">
+                            <p:stCondLst>
+                              <p:cond delay="0"/>
+                            </p:stCondLst>
+                            <p:childTnLst>
+                              <p:par>
+                                <p:cTn id="5" presetID="10" presetClass="entr" presetSubtype="0" fill="hold" grpId="0" nodeType="withEffect">
+                                  <p:stCondLst>
+                                    <p:cond delay="1000"/>
+                                  </p:stCondLst>
+                                  <p:iterate type="lt">
+                                    <p:tmPct val="10000"/>
+                                  </p:iterate>
+                                  <p:childTnLst>
+                                    <p:set>
+                                      <p:cBhvr>
+                                        <p:cTn id="6" dur="1" fill="hold">
+                                          <p:stCondLst>
+                                            <p:cond delay="0"/>
+                                          </p:stCondLst>
+                                        </p:cTn>
+                                        <p:tgtEl>
+                                          <p:spTgt spid="2"/>
+                                        </p:tgtEl>
+                                        <p:attrNameLst>
+                                          <p:attrName>style.visibility</p:attrName>
+                                        </p:attrNameLst>
+                                      </p:cBhvr>
+                                      <p:to>
+                                        <p:strVal val="visible"/>
+                                      </p:to>
+                                    </p:set>
+                                    <p:animEffect transition="in" filter="fade">
+                                      <p:cBhvr>
+                                        <p:cTn id="7" dur="400"/>
+                                        <p:tgtEl>
+                                          <p:spTgt spid="2"/>
+                                        </p:tgtEl>
+                                      </p:cBhvr>
+                                    </p:animEffect>
+                                  </p:childTnLst>
+                                </p:cTn>
+                              </p:par>
+                            </p:childTnLst>
+                          </p:cTn>
+                        </p:par>
+                      </p:childTnLst>
+                    </p:cTn>
+                  </p:par>
+                </p:childTnLst>
+              </p:cTn>
+              <p:prevCondLst>
+                <p:cond evt="onPrev" delay="0">
+                  <p:tgtEl>
+                    <p:sldTgt/>
+                  </p:tgtEl>
+                </p:cond>
+              </p:prevCondLst>
+              <p:nextCondLst>
+                <p:cond evt="onNext" delay="0">
+                  <p:tgtEl>
+                    <p:sldTgt/>
+                  </p:tgtEl>
+                </p:cond>
+              </p:nextCondLst>
+            </p:seq>
+          </p:childTnLst>
+        </p:cTn>
+      </p:par>
+    </p:tnLst>
+    <p:bldLst>
+      <p:bldP spid="2" grpId="0"/>
+    </p:bldLst>
+  </p:timing>
+</p:sld>
+</file>
+
+<file path=ppt/slides/slide12.xml><?xml version="1.0" encoding="utf-8"?>
+<p:sld xmlns:a="http://schemas.openxmlformats.org/drawingml/2006/main" xmlns:r="http://schemas.openxmlformats.org/officeDocument/2006/relationships" xmlns:p="http://schemas.openxmlformats.org/presentationml/2006/main">
+  <p:cSld>
+    <p:bg>
+      <p:bgPr>
+        <a:blipFill rotWithShape="1">
+          <a:blip r:embed="rId2">
+            <a:duotone>
+              <a:schemeClr val="bg1">
+                <a:shade val="80000"/>
+                <a:lumMod val="80000"/>
+              </a:schemeClr>
+              <a:schemeClr val="bg1">
+                <a:tint val="98000"/>
+              </a:schemeClr>
+            </a:duotone>
+          </a:blip>
+          <a:stretch/>
+        </a:blipFill>
+        <a:effectLst/>
+      </p:bgPr>
+    </p:bg>
+    <p:spTree>
+      <p:nvGrpSpPr>
+        <p:cNvPr id="1" name=""/>
+        <p:cNvGrpSpPr/>
+        <p:nvPr/>
+      </p:nvGrpSpPr>
+      <p:grpSpPr>
+        <a:xfrm>
+          <a:off x="0" y="0"/>
+          <a:ext cx="0" cy="0"/>
+          <a:chOff x="0" y="0"/>
+          <a:chExt cx="0" cy="0"/>
+        </a:xfrm>
+      </p:grpSpPr>
+      <p:sp useBgFill="1">
+        <p:nvSpPr>
+          <p:cNvPr id="9" name="Rectangle 8">
+            <a:extLst>
+              <a:ext uri="{FF2B5EF4-FFF2-40B4-BE49-F238E27FC236}">
+                <a16:creationId xmlns:a16="http://schemas.microsoft.com/office/drawing/2014/main" id="{72CA733A-8D25-4E63-8273-CC14052E0E8A}"/>
+              </a:ext>
+              <a:ext uri="{C183D7F6-B498-43B3-948B-1728B52AA6E4}">
+                <adec:decorative xmlns:adec="http://schemas.microsoft.com/office/drawing/2017/decorative" val="1"/>
+              </a:ext>
+            </a:extLst>
+          </p:cNvPr>
+          <p:cNvSpPr>
+            <a:spLocks noGrp="1" noRot="1" noChangeAspect="1" noMove="1" noResize="1" noEditPoints="1" noAdjustHandles="1" noChangeArrowheads="1" noChangeShapeType="1" noTextEdit="1"/>
+          </p:cNvSpPr>
+          <p:nvPr>
+            <p:extLst>
+              <p:ext uri="{386F3935-93C4-4BCD-93E2-E3B085C9AB24}">
+                <p16:designElem xmlns:p16="http://schemas.microsoft.com/office/powerpoint/2015/main" val="1"/>
+              </p:ext>
+            </p:extLst>
+          </p:nvPr>
+        </p:nvSpPr>
+        <p:spPr>
+          <a:xfrm>
+            <a:off x="0" y="0"/>
+            <a:ext cx="12192000" cy="6858000"/>
+          </a:xfrm>
+          <a:prstGeom prst="rect">
+            <a:avLst/>
+          </a:prstGeom>
+          <a:ln>
+            <a:noFill/>
+          </a:ln>
+        </p:spPr>
+        <p:style>
+          <a:lnRef idx="2">
+            <a:schemeClr val="accent1">
+              <a:shade val="50000"/>
+            </a:schemeClr>
+          </a:lnRef>
+          <a:fillRef idx="1">
+            <a:schemeClr val="accent1"/>
+          </a:fillRef>
+          <a:effectRef idx="0">
+            <a:schemeClr val="accent1"/>
+          </a:effectRef>
+          <a:fontRef idx="minor">
+            <a:schemeClr val="lt1"/>
+          </a:fontRef>
+        </p:style>
+        <p:txBody>
+          <a:bodyPr rtlCol="0" anchor="ctr"/>
+          <a:lstStyle/>
+          <a:p>
+            <a:pPr algn="ctr"/>
+            <a:endParaRPr lang="en-US"/>
+          </a:p>
+        </p:txBody>
+      </p:sp>
+      <p:sp>
+        <p:nvSpPr>
+          <p:cNvPr id="2" name="Title 1">
+            <a:extLst>
+              <a:ext uri="{FF2B5EF4-FFF2-40B4-BE49-F238E27FC236}">
+                <a16:creationId xmlns:a16="http://schemas.microsoft.com/office/drawing/2014/main" id="{265CA308-DE8B-4CEC-A1CE-A6310681B47B}"/>
+              </a:ext>
+            </a:extLst>
+          </p:cNvPr>
+          <p:cNvSpPr>
+            <a:spLocks noGrp="1"/>
+          </p:cNvSpPr>
+          <p:nvPr>
+            <p:ph type="title"/>
+          </p:nvPr>
+        </p:nvSpPr>
+        <p:spPr>
+          <a:xfrm>
+            <a:off x="1370693" y="4406537"/>
+            <a:ext cx="9440034" cy="1088336"/>
+          </a:xfrm>
+        </p:spPr>
+        <p:txBody>
+          <a:bodyPr vert="horz" lIns="91440" tIns="45720" rIns="91440" bIns="45720" rtlCol="0" anchor="b">
+            <a:normAutofit/>
+          </a:bodyPr>
+          <a:lstStyle/>
+          <a:p>
+            <a:r>
+              <a:rPr lang="en-US" sz="4800"/>
+              <a:t>Canny Edge Detection</a:t>
+            </a:r>
+          </a:p>
+        </p:txBody>
+      </p:sp>
+      <p:pic>
+        <p:nvPicPr>
+          <p:cNvPr id="11" name="Picture 10">
+            <a:extLst>
+              <a:ext uri="{FF2B5EF4-FFF2-40B4-BE49-F238E27FC236}">
+                <a16:creationId xmlns:a16="http://schemas.microsoft.com/office/drawing/2014/main" id="{2BFB581C-2142-4222-9A3B-905AD6C09535}"/>
+              </a:ext>
+              <a:ext uri="{C183D7F6-B498-43B3-948B-1728B52AA6E4}">
+                <adec:decorative xmlns:adec="http://schemas.microsoft.com/office/drawing/2017/decorative" val="1"/>
+              </a:ext>
+            </a:extLst>
+          </p:cNvPr>
+          <p:cNvPicPr>
+            <a:picLocks noGrp="1" noRot="1" noChangeAspect="1" noMove="1" noResize="1" noEditPoints="1" noAdjustHandles="1" noChangeArrowheads="1" noChangeShapeType="1" noCrop="1"/>
+          </p:cNvPicPr>
+          <p:nvPr>
+            <p:extLst>
+              <p:ext uri="{386F3935-93C4-4BCD-93E2-E3B085C9AB24}">
+                <p16:designElem xmlns:p16="http://schemas.microsoft.com/office/powerpoint/2015/main" val="1"/>
+              </p:ext>
+            </p:extLst>
+          </p:nvPr>
+        </p:nvPicPr>
+        <p:blipFill rotWithShape="1">
+          <a:blip r:embed="rId3">
+            <a:extLst>
+              <a:ext uri="{28A0092B-C50C-407E-A947-70E740481C1C}">
+                <a14:useLocalDpi xmlns:a14="http://schemas.microsoft.com/office/drawing/2010/main" val="0"/>
+              </a:ext>
+            </a:extLst>
+          </a:blip>
+          <a:srcRect l="798" t="2669" r="616"/>
+          <a:stretch/>
+        </p:blipFill>
+        <p:spPr>
+          <a:xfrm>
+            <a:off x="-1" y="0"/>
+            <a:ext cx="12192001" cy="4322278"/>
+          </a:xfrm>
+          <a:prstGeom prst="rect">
+            <a:avLst/>
+          </a:prstGeom>
+        </p:spPr>
+      </p:pic>
+      <p:pic>
+        <p:nvPicPr>
+          <p:cNvPr id="4" name="Picture 3" descr="Text&#10;&#10;Description automatically generated with medium confidence">
+            <a:extLst>
+              <a:ext uri="{FF2B5EF4-FFF2-40B4-BE49-F238E27FC236}">
+                <a16:creationId xmlns:a16="http://schemas.microsoft.com/office/drawing/2014/main" id="{06B562E5-0EB2-4D4B-96CA-E9A10681FA2D}"/>
+              </a:ext>
+            </a:extLst>
+          </p:cNvPr>
+          <p:cNvPicPr>
+            <a:picLocks noChangeAspect="1"/>
+          </p:cNvPicPr>
+          <p:nvPr/>
+        </p:nvPicPr>
+        <p:blipFill rotWithShape="1">
+          <a:blip r:embed="rId4"/>
+          <a:srcRect r="-1" b="9545"/>
+          <a:stretch/>
+        </p:blipFill>
+        <p:spPr>
+          <a:xfrm>
+            <a:off x="-1" y="-1"/>
+            <a:ext cx="12198915" cy="4220682"/>
+          </a:xfrm>
+          <a:prstGeom prst="rect">
+            <a:avLst/>
+          </a:prstGeom>
+        </p:spPr>
+      </p:pic>
+    </p:spTree>
+    <p:extLst>
+      <p:ext uri="{BB962C8B-B14F-4D97-AF65-F5344CB8AC3E}">
+        <p14:creationId xmlns:p14="http://schemas.microsoft.com/office/powerpoint/2010/main" val="3429285621"/>
+      </p:ext>
+    </p:extLst>
+  </p:cSld>
+  <p:clrMapOvr>
+    <a:masterClrMapping/>
+  </p:clrMapOvr>
+  <p:timing>
+    <p:tnLst>
+      <p:par>
+        <p:cTn id="1" dur="indefinite" restart="never" nodeType="tmRoot">
+          <p:childTnLst>
+            <p:seq concurrent="1" nextAc="seek">
+              <p:cTn id="2" dur="indefinite" nodeType="mainSeq">
+                <p:childTnLst>
+                  <p:par>
+                    <p:cTn id="3" fill="hold">
+                      <p:stCondLst>
+                        <p:cond delay="indefinite"/>
+                        <p:cond evt="onBegin" delay="0">
+                          <p:tn val="2"/>
+                        </p:cond>
+                      </p:stCondLst>
+                      <p:childTnLst>
+                        <p:par>
+                          <p:cTn id="4" fill="hold">
+                            <p:stCondLst>
+                              <p:cond delay="0"/>
+                            </p:stCondLst>
+                            <p:childTnLst>
+                              <p:par>
+                                <p:cTn id="5" presetID="10" presetClass="entr" presetSubtype="0" fill="hold" grpId="0" nodeType="withEffect">
+                                  <p:stCondLst>
+                                    <p:cond delay="1000"/>
+                                  </p:stCondLst>
+                                  <p:iterate type="lt">
+                                    <p:tmPct val="10000"/>
+                                  </p:iterate>
+                                  <p:childTnLst>
+                                    <p:set>
+                                      <p:cBhvr>
+                                        <p:cTn id="6" dur="1" fill="hold">
+                                          <p:stCondLst>
+                                            <p:cond delay="0"/>
+                                          </p:stCondLst>
+                                        </p:cTn>
+                                        <p:tgtEl>
+                                          <p:spTgt spid="2"/>
+                                        </p:tgtEl>
+                                        <p:attrNameLst>
+                                          <p:attrName>style.visibility</p:attrName>
+                                        </p:attrNameLst>
+                                      </p:cBhvr>
+                                      <p:to>
+                                        <p:strVal val="visible"/>
+                                      </p:to>
+                                    </p:set>
+                                    <p:animEffect transition="in" filter="fade">
+                                      <p:cBhvr>
+                                        <p:cTn id="7" dur="400"/>
+                                        <p:tgtEl>
+                                          <p:spTgt spid="2"/>
+                                        </p:tgtEl>
+                                      </p:cBhvr>
+                                    </p:animEffect>
+                                  </p:childTnLst>
+                                </p:cTn>
+                              </p:par>
+                            </p:childTnLst>
+                          </p:cTn>
+                        </p:par>
+                      </p:childTnLst>
+                    </p:cTn>
+                  </p:par>
+                </p:childTnLst>
+              </p:cTn>
+              <p:prevCondLst>
+                <p:cond evt="onPrev" delay="0">
+                  <p:tgtEl>
+                    <p:sldTgt/>
+                  </p:tgtEl>
+                </p:cond>
+              </p:prevCondLst>
+              <p:nextCondLst>
+                <p:cond evt="onNext" delay="0">
+                  <p:tgtEl>
+                    <p:sldTgt/>
+                  </p:tgtEl>
+                </p:cond>
+              </p:nextCondLst>
+            </p:seq>
+          </p:childTnLst>
+        </p:cTn>
+      </p:par>
+    </p:tnLst>
+    <p:bldLst>
+      <p:bldP spid="2" grpId="0"/>
+    </p:bldLst>
+  </p:timing>
+</p:sld>
+</file>
+
+<file path=ppt/slides/slide13.xml><?xml version="1.0" encoding="utf-8"?>
+<p:sld xmlns:a="http://schemas.openxmlformats.org/drawingml/2006/main" xmlns:r="http://schemas.openxmlformats.org/officeDocument/2006/relationships" xmlns:p="http://schemas.openxmlformats.org/presentationml/2006/main">
+  <p:cSld>
+    <p:bg>
+      <p:bgPr>
+        <a:blipFill rotWithShape="1">
+          <a:blip r:embed="rId2">
+            <a:duotone>
+              <a:schemeClr val="bg1">
+                <a:shade val="80000"/>
+                <a:lumMod val="80000"/>
+              </a:schemeClr>
+              <a:schemeClr val="bg1">
+                <a:tint val="98000"/>
+              </a:schemeClr>
+            </a:duotone>
+          </a:blip>
+          <a:stretch/>
+        </a:blipFill>
+        <a:effectLst/>
+      </p:bgPr>
+    </p:bg>
+    <p:spTree>
+      <p:nvGrpSpPr>
+        <p:cNvPr id="1" name=""/>
+        <p:cNvGrpSpPr/>
+        <p:nvPr/>
+      </p:nvGrpSpPr>
+      <p:grpSpPr>
+        <a:xfrm>
+          <a:off x="0" y="0"/>
+          <a:ext cx="0" cy="0"/>
+          <a:chOff x="0" y="0"/>
+          <a:chExt cx="0" cy="0"/>
+        </a:xfrm>
+      </p:grpSpPr>
+      <p:sp useBgFill="1">
+        <p:nvSpPr>
+          <p:cNvPr id="9" name="Rectangle 8">
+            <a:extLst>
+              <a:ext uri="{FF2B5EF4-FFF2-40B4-BE49-F238E27FC236}">
+                <a16:creationId xmlns:a16="http://schemas.microsoft.com/office/drawing/2014/main" id="{72CA733A-8D25-4E63-8273-CC14052E0E8A}"/>
+              </a:ext>
+              <a:ext uri="{C183D7F6-B498-43B3-948B-1728B52AA6E4}">
+                <adec:decorative xmlns:adec="http://schemas.microsoft.com/office/drawing/2017/decorative" val="1"/>
+              </a:ext>
+            </a:extLst>
+          </p:cNvPr>
+          <p:cNvSpPr>
+            <a:spLocks noGrp="1" noRot="1" noChangeAspect="1" noMove="1" noResize="1" noEditPoints="1" noAdjustHandles="1" noChangeArrowheads="1" noChangeShapeType="1" noTextEdit="1"/>
+          </p:cNvSpPr>
+          <p:nvPr>
+            <p:extLst>
+              <p:ext uri="{386F3935-93C4-4BCD-93E2-E3B085C9AB24}">
+                <p16:designElem xmlns:p16="http://schemas.microsoft.com/office/powerpoint/2015/main" val="1"/>
+              </p:ext>
+            </p:extLst>
+          </p:nvPr>
+        </p:nvSpPr>
+        <p:spPr>
+          <a:xfrm>
+            <a:off x="0" y="0"/>
+            <a:ext cx="12192000" cy="6858000"/>
+          </a:xfrm>
+          <a:prstGeom prst="rect">
+            <a:avLst/>
+          </a:prstGeom>
+          <a:ln>
+            <a:noFill/>
+          </a:ln>
+        </p:spPr>
+        <p:style>
+          <a:lnRef idx="2">
+            <a:schemeClr val="accent1">
+              <a:shade val="50000"/>
+            </a:schemeClr>
+          </a:lnRef>
+          <a:fillRef idx="1">
+            <a:schemeClr val="accent1"/>
+          </a:fillRef>
+          <a:effectRef idx="0">
+            <a:schemeClr val="accent1"/>
+          </a:effectRef>
+          <a:fontRef idx="minor">
+            <a:schemeClr val="lt1"/>
+          </a:fontRef>
+        </p:style>
+        <p:txBody>
+          <a:bodyPr rtlCol="0" anchor="ctr"/>
+          <a:lstStyle/>
+          <a:p>
+            <a:pPr algn="ctr"/>
+            <a:endParaRPr lang="en-US"/>
+          </a:p>
+        </p:txBody>
+      </p:sp>
+      <p:sp>
+        <p:nvSpPr>
+          <p:cNvPr id="2" name="Title 1">
+            <a:extLst>
+              <a:ext uri="{FF2B5EF4-FFF2-40B4-BE49-F238E27FC236}">
+                <a16:creationId xmlns:a16="http://schemas.microsoft.com/office/drawing/2014/main" id="{BB7CBF62-820D-47BB-8A67-6EC504BAAEFA}"/>
+              </a:ext>
+            </a:extLst>
+          </p:cNvPr>
+          <p:cNvSpPr>
+            <a:spLocks noGrp="1"/>
+          </p:cNvSpPr>
+          <p:nvPr>
+            <p:ph type="title"/>
+          </p:nvPr>
+        </p:nvSpPr>
+        <p:spPr>
+          <a:xfrm>
+            <a:off x="1370693" y="4406537"/>
+            <a:ext cx="9440034" cy="1088336"/>
+          </a:xfrm>
+        </p:spPr>
+        <p:txBody>
+          <a:bodyPr vert="horz" lIns="91440" tIns="45720" rIns="91440" bIns="45720" rtlCol="0" anchor="b">
+            <a:normAutofit/>
+          </a:bodyPr>
+          <a:lstStyle/>
+          <a:p>
+            <a:r>
+              <a:rPr lang="en-US" sz="4800"/>
+              <a:t>HoughLinesP &amp; Path Planning</a:t>
+            </a:r>
+          </a:p>
+        </p:txBody>
+      </p:sp>
+      <p:pic>
+        <p:nvPicPr>
+          <p:cNvPr id="11" name="Picture 10">
+            <a:extLst>
+              <a:ext uri="{FF2B5EF4-FFF2-40B4-BE49-F238E27FC236}">
+                <a16:creationId xmlns:a16="http://schemas.microsoft.com/office/drawing/2014/main" id="{2BFB581C-2142-4222-9A3B-905AD6C09535}"/>
+              </a:ext>
+              <a:ext uri="{C183D7F6-B498-43B3-948B-1728B52AA6E4}">
+                <adec:decorative xmlns:adec="http://schemas.microsoft.com/office/drawing/2017/decorative" val="1"/>
+              </a:ext>
+            </a:extLst>
+          </p:cNvPr>
+          <p:cNvPicPr>
+            <a:picLocks noGrp="1" noRot="1" noChangeAspect="1" noMove="1" noResize="1" noEditPoints="1" noAdjustHandles="1" noChangeArrowheads="1" noChangeShapeType="1" noCrop="1"/>
+          </p:cNvPicPr>
+          <p:nvPr>
+            <p:extLst>
+              <p:ext uri="{386F3935-93C4-4BCD-93E2-E3B085C9AB24}">
+                <p16:designElem xmlns:p16="http://schemas.microsoft.com/office/powerpoint/2015/main" val="1"/>
+              </p:ext>
+            </p:extLst>
+          </p:nvPr>
+        </p:nvPicPr>
+        <p:blipFill rotWithShape="1">
+          <a:blip r:embed="rId3">
+            <a:extLst>
+              <a:ext uri="{28A0092B-C50C-407E-A947-70E740481C1C}">
+                <a14:useLocalDpi xmlns:a14="http://schemas.microsoft.com/office/drawing/2010/main" val="0"/>
+              </a:ext>
+            </a:extLst>
+          </a:blip>
+          <a:srcRect l="798" t="2669" r="616"/>
+          <a:stretch/>
+        </p:blipFill>
+        <p:spPr>
+          <a:xfrm>
+            <a:off x="-1" y="0"/>
+            <a:ext cx="12192001" cy="4322278"/>
+          </a:xfrm>
+          <a:prstGeom prst="rect">
+            <a:avLst/>
+          </a:prstGeom>
+        </p:spPr>
+      </p:pic>
+      <p:pic>
+        <p:nvPicPr>
+          <p:cNvPr id="4" name="Picture 3" descr="Line chart&#10;&#10;Description automatically generated with medium confidence">
+            <a:extLst>
+              <a:ext uri="{FF2B5EF4-FFF2-40B4-BE49-F238E27FC236}">
+                <a16:creationId xmlns:a16="http://schemas.microsoft.com/office/drawing/2014/main" id="{449F11E3-C555-4B10-A23D-B823B7F910B2}"/>
+              </a:ext>
+            </a:extLst>
+          </p:cNvPr>
+          <p:cNvPicPr>
+            <a:picLocks noChangeAspect="1"/>
+          </p:cNvPicPr>
+          <p:nvPr/>
+        </p:nvPicPr>
+        <p:blipFill rotWithShape="1">
+          <a:blip r:embed="rId4"/>
+          <a:srcRect r="-1" b="10132"/>
+          <a:stretch/>
+        </p:blipFill>
+        <p:spPr>
+          <a:xfrm>
+            <a:off x="-1" y="-1"/>
+            <a:ext cx="12198915" cy="4220682"/>
+          </a:xfrm>
+          <a:prstGeom prst="rect">
+            <a:avLst/>
+          </a:prstGeom>
+        </p:spPr>
+      </p:pic>
+    </p:spTree>
+    <p:extLst>
+      <p:ext uri="{BB962C8B-B14F-4D97-AF65-F5344CB8AC3E}">
+        <p14:creationId xmlns:p14="http://schemas.microsoft.com/office/powerpoint/2010/main" val="442961491"/>
+      </p:ext>
+    </p:extLst>
+  </p:cSld>
+  <p:clrMapOvr>
+    <a:masterClrMapping/>
+  </p:clrMapOvr>
+  <p:timing>
+    <p:tnLst>
+      <p:par>
+        <p:cTn id="1" dur="indefinite" restart="never" nodeType="tmRoot">
+          <p:childTnLst>
+            <p:seq concurrent="1" nextAc="seek">
+              <p:cTn id="2" dur="indefinite" nodeType="mainSeq">
+                <p:childTnLst>
+                  <p:par>
+                    <p:cTn id="3" fill="hold">
+                      <p:stCondLst>
+                        <p:cond delay="indefinite"/>
+                        <p:cond evt="onBegin" delay="0">
+                          <p:tn val="2"/>
+                        </p:cond>
+                      </p:stCondLst>
+                      <p:childTnLst>
+                        <p:par>
+                          <p:cTn id="4" fill="hold">
+                            <p:stCondLst>
+                              <p:cond delay="0"/>
+                            </p:stCondLst>
+                            <p:childTnLst>
+                              <p:par>
+                                <p:cTn id="5" presetID="10" presetClass="entr" presetSubtype="0" fill="hold" grpId="0" nodeType="withEffect">
+                                  <p:stCondLst>
+                                    <p:cond delay="1000"/>
+                                  </p:stCondLst>
+                                  <p:iterate>
+                                    <p:tmPct val="10000"/>
+                                  </p:iterate>
+                                  <p:childTnLst>
+                                    <p:set>
+                                      <p:cBhvr>
+                                        <p:cTn id="6" dur="1" fill="hold">
+                                          <p:stCondLst>
+                                            <p:cond delay="0"/>
+                                          </p:stCondLst>
+                                        </p:cTn>
+                                        <p:tgtEl>
+                                          <p:spTgt spid="2"/>
+                                        </p:tgtEl>
+                                        <p:attrNameLst>
+                                          <p:attrName>style.visibility</p:attrName>
+                                        </p:attrNameLst>
+                                      </p:cBhvr>
+                                      <p:to>
+                                        <p:strVal val="visible"/>
+                                      </p:to>
+                                    </p:set>
+                                    <p:animEffect transition="in" filter="fade">
+                                      <p:cBhvr>
+                                        <p:cTn id="7" dur="700"/>
+                                        <p:tgtEl>
+                                          <p:spTgt spid="2"/>
+                                        </p:tgtEl>
+                                      </p:cBhvr>
+                                    </p:animEffect>
+                                  </p:childTnLst>
+                                </p:cTn>
+                              </p:par>
+                            </p:childTnLst>
+                          </p:cTn>
+                        </p:par>
+                      </p:childTnLst>
+                    </p:cTn>
+                  </p:par>
+                </p:childTnLst>
+              </p:cTn>
+              <p:prevCondLst>
+                <p:cond evt="onPrev" delay="0">
+                  <p:tgtEl>
+                    <p:sldTgt/>
+                  </p:tgtEl>
+                </p:cond>
+              </p:prevCondLst>
+              <p:nextCondLst>
+                <p:cond evt="onNext" delay="0">
+                  <p:tgtEl>
+                    <p:sldTgt/>
+                  </p:tgtEl>
+                </p:cond>
+              </p:nextCondLst>
+            </p:seq>
+          </p:childTnLst>
+        </p:cTn>
+      </p:par>
+    </p:tnLst>
+    <p:bldLst>
+      <p:bldP spid="2" grpId="0"/>
+    </p:bldLst>
+  </p:timing>
+</p:sld>
+</file>
+
+<file path=ppt/slides/slide14.xml><?xml version="1.0" encoding="utf-8"?>
 <p:sld xmlns:a="http://schemas.openxmlformats.org/drawingml/2006/main" xmlns:r="http://schemas.openxmlformats.org/officeDocument/2006/relationships" xmlns:p="http://schemas.openxmlformats.org/presentationml/2006/main">
   <p:cSld>
     <p:spTree>
@@ -7012,7 +8374,7 @@
           <p:cNvPr id="2" name="Title 1">
             <a:extLst>
               <a:ext uri="{FF2B5EF4-FFF2-40B4-BE49-F238E27FC236}">
-                <a16:creationId xmlns:a16="http://schemas.microsoft.com/office/drawing/2014/main" id="{7FC0B1F5-238B-4E9D-9A5B-DC9A1A899917}"/>
+                <a16:creationId xmlns:a16="http://schemas.microsoft.com/office/drawing/2014/main" id="{27604ADD-C872-42DB-BE51-54DDEA983ABE}"/>
               </a:ext>
             </a:extLst>
           </p:cNvPr>
@@ -7030,7 +8392,57 @@
           <a:p>
             <a:r>
               <a:rPr lang="en-GB" dirty="0"/>
-              <a:t>Colour Mask</a:t>
+              <a:t>Technical Issues Encountered</a:t>
+            </a:r>
+          </a:p>
+        </p:txBody>
+      </p:sp>
+      <p:sp>
+        <p:nvSpPr>
+          <p:cNvPr id="3" name="Content Placeholder 2">
+            <a:extLst>
+              <a:ext uri="{FF2B5EF4-FFF2-40B4-BE49-F238E27FC236}">
+                <a16:creationId xmlns:a16="http://schemas.microsoft.com/office/drawing/2014/main" id="{60498EBE-9D24-4562-ACF5-F2B7697A323C}"/>
+              </a:ext>
+            </a:extLst>
+          </p:cNvPr>
+          <p:cNvSpPr>
+            <a:spLocks noGrp="1"/>
+          </p:cNvSpPr>
+          <p:nvPr>
+            <p:ph idx="1"/>
+          </p:nvPr>
+        </p:nvSpPr>
+        <p:spPr/>
+        <p:txBody>
+          <a:bodyPr/>
+          <a:lstStyle/>
+          <a:p>
+            <a:r>
+              <a:rPr lang="en-GB" dirty="0"/>
+              <a:t>I had attempted a different approach to detecting the lines, by warping the image on either side of the robot to allow for easier identification of the lines. However this method quickly fell apart.</a:t>
+            </a:r>
+          </a:p>
+          <a:p>
+            <a:r>
+              <a:rPr lang="en-GB" dirty="0"/>
+              <a:t>Tracking the most appropriate </a:t>
+            </a:r>
+            <a:r>
+              <a:rPr lang="en-GB" dirty="0" err="1"/>
+              <a:t>hough</a:t>
+            </a:r>
+            <a:r>
+              <a:rPr lang="en-GB" dirty="0"/>
+              <a:t> lines proved difficult, and still requires some fine tuning of the values for the edge detector and </a:t>
+            </a:r>
+            <a:r>
+              <a:rPr lang="en-GB" dirty="0" err="1"/>
+              <a:t>HoughLinesP</a:t>
+            </a:r>
+            <a:r>
+              <a:rPr lang="en-GB" dirty="0"/>
+              <a:t>. As well as some adjustments to the line selection algorithm.</a:t>
             </a:r>
           </a:p>
         </p:txBody>
@@ -7038,7 +8450,7 @@
     </p:spTree>
     <p:extLst>
       <p:ext uri="{BB962C8B-B14F-4D97-AF65-F5344CB8AC3E}">
-        <p14:creationId xmlns:p14="http://schemas.microsoft.com/office/powerpoint/2010/main" val="2949503247"/>
+        <p14:creationId xmlns:p14="http://schemas.microsoft.com/office/powerpoint/2010/main" val="884999259"/>
       </p:ext>
     </p:extLst>
   </p:cSld>
@@ -7048,7 +8460,7 @@
 </p:sld>
 </file>
 
-<file path=ppt/slides/slide12.xml><?xml version="1.0" encoding="utf-8"?>
+<file path=ppt/slides/slide15.xml><?xml version="1.0" encoding="utf-8"?>
 <p:sld xmlns:a="http://schemas.openxmlformats.org/drawingml/2006/main" xmlns:r="http://schemas.openxmlformats.org/officeDocument/2006/relationships" xmlns:p="http://schemas.openxmlformats.org/presentationml/2006/main">
   <p:cSld>
     <p:spTree>
@@ -7070,7 +8482,7 @@
           <p:cNvPr id="2" name="Title 1">
             <a:extLst>
               <a:ext uri="{FF2B5EF4-FFF2-40B4-BE49-F238E27FC236}">
-                <a16:creationId xmlns:a16="http://schemas.microsoft.com/office/drawing/2014/main" id="{265CA308-DE8B-4CEC-A1CE-A6310681B47B}"/>
+                <a16:creationId xmlns:a16="http://schemas.microsoft.com/office/drawing/2014/main" id="{F452E9C6-E562-4566-A7DD-3E78A029F25C}"/>
               </a:ext>
             </a:extLst>
           </p:cNvPr>
@@ -7088,73 +8500,56 @@
           <a:p>
             <a:r>
               <a:rPr lang="en-GB" dirty="0"/>
-              <a:t>Canny Edge Detection</a:t>
-            </a:r>
+              <a:t>Intent For Rest of Project</a:t>
+            </a:r>
+          </a:p>
+        </p:txBody>
+      </p:sp>
+      <p:sp>
+        <p:nvSpPr>
+          <p:cNvPr id="3" name="Content Placeholder 2">
+            <a:extLst>
+              <a:ext uri="{FF2B5EF4-FFF2-40B4-BE49-F238E27FC236}">
+                <a16:creationId xmlns:a16="http://schemas.microsoft.com/office/drawing/2014/main" id="{8025AB04-5710-49EC-8109-1549E19ABAF0}"/>
+              </a:ext>
+            </a:extLst>
+          </p:cNvPr>
+          <p:cNvSpPr>
+            <a:spLocks noGrp="1"/>
+          </p:cNvSpPr>
+          <p:nvPr>
+            <p:ph idx="1"/>
+          </p:nvPr>
+        </p:nvSpPr>
+        <p:spPr/>
+        <p:txBody>
+          <a:bodyPr/>
+          <a:lstStyle/>
+          <a:p>
+            <a:r>
+              <a:rPr lang="en-GB" dirty="0"/>
+              <a:t>Implement behaviour that drives robot along the planned path</a:t>
+            </a:r>
+          </a:p>
+          <a:p>
+            <a:r>
+              <a:rPr lang="en-GB" dirty="0"/>
+              <a:t>Implement behaviour that will stop robot once it reaches the end of the road/give way. Behaviour should also automatically turn the robot onto the road.</a:t>
+            </a:r>
+          </a:p>
+          <a:p>
+            <a:r>
+              <a:rPr lang="en-GB"/>
+              <a:t>Implement road sign recognition.</a:t>
+            </a:r>
+            <a:endParaRPr lang="en-GB" dirty="0"/>
           </a:p>
         </p:txBody>
       </p:sp>
     </p:spTree>
     <p:extLst>
       <p:ext uri="{BB962C8B-B14F-4D97-AF65-F5344CB8AC3E}">
-        <p14:creationId xmlns:p14="http://schemas.microsoft.com/office/powerpoint/2010/main" val="3429285621"/>
-      </p:ext>
-    </p:extLst>
-  </p:cSld>
-  <p:clrMapOvr>
-    <a:masterClrMapping/>
-  </p:clrMapOvr>
-</p:sld>
-</file>
-
-<file path=ppt/slides/slide13.xml><?xml version="1.0" encoding="utf-8"?>
-<p:sld xmlns:a="http://schemas.openxmlformats.org/drawingml/2006/main" xmlns:r="http://schemas.openxmlformats.org/officeDocument/2006/relationships" xmlns:p="http://schemas.openxmlformats.org/presentationml/2006/main">
-  <p:cSld>
-    <p:spTree>
-      <p:nvGrpSpPr>
-        <p:cNvPr id="1" name=""/>
-        <p:cNvGrpSpPr/>
-        <p:nvPr/>
-      </p:nvGrpSpPr>
-      <p:grpSpPr>
-        <a:xfrm>
-          <a:off x="0" y="0"/>
-          <a:ext cx="0" cy="0"/>
-          <a:chOff x="0" y="0"/>
-          <a:chExt cx="0" cy="0"/>
-        </a:xfrm>
-      </p:grpSpPr>
-      <p:sp>
-        <p:nvSpPr>
-          <p:cNvPr id="2" name="Title 1">
-            <a:extLst>
-              <a:ext uri="{FF2B5EF4-FFF2-40B4-BE49-F238E27FC236}">
-                <a16:creationId xmlns:a16="http://schemas.microsoft.com/office/drawing/2014/main" id="{BB7CBF62-820D-47BB-8A67-6EC504BAAEFA}"/>
-              </a:ext>
-            </a:extLst>
-          </p:cNvPr>
-          <p:cNvSpPr>
-            <a:spLocks noGrp="1"/>
-          </p:cNvSpPr>
-          <p:nvPr>
-            <p:ph type="title"/>
-          </p:nvPr>
-        </p:nvSpPr>
-        <p:spPr/>
-        <p:txBody>
-          <a:bodyPr/>
-          <a:lstStyle/>
-          <a:p>
-            <a:r>
-              <a:rPr lang="en-GB" dirty="0"/>
-              <a:t>HoughLinesP &amp; Path Planning</a:t>
-            </a:r>
-          </a:p>
-        </p:txBody>
-      </p:sp>
-    </p:spTree>
-    <p:extLst>
-      <p:ext uri="{BB962C8B-B14F-4D97-AF65-F5344CB8AC3E}">
-        <p14:creationId xmlns:p14="http://schemas.microsoft.com/office/powerpoint/2010/main" val="442961491"/>
+        <p14:creationId xmlns:p14="http://schemas.microsoft.com/office/powerpoint/2010/main" val="6264988"/>
       </p:ext>
     </p:extLst>
   </p:cSld>
@@ -8104,6 +9499,25 @@
 <file path=ppt/slides/slide9.xml><?xml version="1.0" encoding="utf-8"?>
 <p:sld xmlns:a="http://schemas.openxmlformats.org/drawingml/2006/main" xmlns:r="http://schemas.openxmlformats.org/officeDocument/2006/relationships" xmlns:p="http://schemas.openxmlformats.org/presentationml/2006/main">
   <p:cSld>
+    <p:bg>
+      <p:bgPr>
+        <a:blipFill rotWithShape="1">
+          <a:blip r:embed="rId2">
+            <a:duotone>
+              <a:schemeClr val="bg1">
+                <a:shade val="80000"/>
+                <a:lumMod val="80000"/>
+              </a:schemeClr>
+              <a:schemeClr val="bg1">
+                <a:tint val="98000"/>
+              </a:schemeClr>
+            </a:duotone>
+          </a:blip>
+          <a:stretch/>
+        </a:blipFill>
+        <a:effectLst/>
+      </p:bgPr>
+    </p:bg>
     <p:spTree>
       <p:nvGrpSpPr>
         <p:cNvPr id="1" name=""/>
@@ -8118,6 +9532,66 @@
           <a:chExt cx="0" cy="0"/>
         </a:xfrm>
       </p:grpSpPr>
+      <p:sp useBgFill="1">
+        <p:nvSpPr>
+          <p:cNvPr id="9" name="Rectangle 8">
+            <a:extLst>
+              <a:ext uri="{FF2B5EF4-FFF2-40B4-BE49-F238E27FC236}">
+                <a16:creationId xmlns:a16="http://schemas.microsoft.com/office/drawing/2014/main" id="{1E70A317-DCED-4E80-AA2D-467D8702E5CB}"/>
+              </a:ext>
+              <a:ext uri="{C183D7F6-B498-43B3-948B-1728B52AA6E4}">
+                <adec:decorative xmlns:adec="http://schemas.microsoft.com/office/drawing/2017/decorative" val="1"/>
+              </a:ext>
+            </a:extLst>
+          </p:cNvPr>
+          <p:cNvSpPr>
+            <a:spLocks noGrp="1" noRot="1" noChangeAspect="1" noMove="1" noResize="1" noEditPoints="1" noAdjustHandles="1" noChangeArrowheads="1" noChangeShapeType="1" noTextEdit="1"/>
+          </p:cNvSpPr>
+          <p:nvPr>
+            <p:extLst>
+              <p:ext uri="{386F3935-93C4-4BCD-93E2-E3B085C9AB24}">
+                <p16:designElem xmlns:p16="http://schemas.microsoft.com/office/powerpoint/2015/main" val="1"/>
+              </p:ext>
+            </p:extLst>
+          </p:nvPr>
+        </p:nvSpPr>
+        <p:spPr>
+          <a:xfrm>
+            <a:off x="0" y="0"/>
+            <a:ext cx="12192000" cy="6858000"/>
+          </a:xfrm>
+          <a:prstGeom prst="rect">
+            <a:avLst/>
+          </a:prstGeom>
+          <a:ln>
+            <a:noFill/>
+          </a:ln>
+        </p:spPr>
+        <p:style>
+          <a:lnRef idx="2">
+            <a:schemeClr val="accent1">
+              <a:shade val="50000"/>
+            </a:schemeClr>
+          </a:lnRef>
+          <a:fillRef idx="1">
+            <a:schemeClr val="accent1"/>
+          </a:fillRef>
+          <a:effectRef idx="0">
+            <a:schemeClr val="accent1"/>
+          </a:effectRef>
+          <a:fontRef idx="minor">
+            <a:schemeClr val="lt1"/>
+          </a:fontRef>
+        </p:style>
+        <p:txBody>
+          <a:bodyPr rtlCol="0" anchor="ctr"/>
+          <a:lstStyle/>
+          <a:p>
+            <a:pPr algn="ctr"/>
+            <a:endParaRPr lang="en-US"/>
+          </a:p>
+        </p:txBody>
+      </p:sp>
       <p:sp>
         <p:nvSpPr>
           <p:cNvPr id="2" name="Title 1">
@@ -8134,15 +9608,203 @@
             <p:ph type="title"/>
           </p:nvPr>
         </p:nvSpPr>
-        <p:spPr/>
-        <p:txBody>
-          <a:bodyPr/>
+        <p:spPr>
+          <a:xfrm>
+            <a:off x="861791" y="835384"/>
+            <a:ext cx="3382832" cy="2863038"/>
+          </a:xfrm>
+        </p:spPr>
+        <p:txBody>
+          <a:bodyPr vert="horz" lIns="91440" tIns="45720" rIns="91440" bIns="45720" rtlCol="0" anchor="b">
+            <a:normAutofit/>
+          </a:bodyPr>
           <a:lstStyle/>
           <a:p>
-            <a:r>
-              <a:rPr lang="en-GB" dirty="0"/>
+            <a:pPr algn="l"/>
+            <a:r>
+              <a:rPr lang="en-US" sz="4200" dirty="0"/>
               <a:t>Crop Image</a:t>
             </a:r>
+          </a:p>
+        </p:txBody>
+      </p:sp>
+      <p:sp>
+        <p:nvSpPr>
+          <p:cNvPr id="11" name="Rectangle 10">
+            <a:extLst>
+              <a:ext uri="{FF2B5EF4-FFF2-40B4-BE49-F238E27FC236}">
+                <a16:creationId xmlns:a16="http://schemas.microsoft.com/office/drawing/2014/main" id="{A6D87845-294F-40CB-BC48-46455460D292}"/>
+              </a:ext>
+              <a:ext uri="{C183D7F6-B498-43B3-948B-1728B52AA6E4}">
+                <adec:decorative xmlns:adec="http://schemas.microsoft.com/office/drawing/2017/decorative" val="1"/>
+              </a:ext>
+            </a:extLst>
+          </p:cNvPr>
+          <p:cNvSpPr>
+            <a:spLocks noGrp="1" noRot="1" noChangeAspect="1" noMove="1" noResize="1" noEditPoints="1" noAdjustHandles="1" noChangeArrowheads="1" noChangeShapeType="1" noTextEdit="1"/>
+          </p:cNvSpPr>
+          <p:nvPr>
+            <p:extLst>
+              <p:ext uri="{386F3935-93C4-4BCD-93E2-E3B085C9AB24}">
+                <p16:designElem xmlns:p16="http://schemas.microsoft.com/office/powerpoint/2015/main" val="1"/>
+              </p:ext>
+            </p:extLst>
+          </p:nvPr>
+        </p:nvSpPr>
+        <p:spPr>
+          <a:xfrm>
+            <a:off x="4655671" y="0"/>
+            <a:ext cx="7536329" cy="6858000"/>
+          </a:xfrm>
+          <a:prstGeom prst="rect">
+            <a:avLst/>
+          </a:prstGeom>
+          <a:solidFill>
+            <a:schemeClr val="tx1"/>
+          </a:solidFill>
+          <a:ln>
+            <a:noFill/>
+          </a:ln>
+        </p:spPr>
+        <p:style>
+          <a:lnRef idx="2">
+            <a:schemeClr val="accent1">
+              <a:shade val="50000"/>
+            </a:schemeClr>
+          </a:lnRef>
+          <a:fillRef idx="1">
+            <a:schemeClr val="accent1"/>
+          </a:fillRef>
+          <a:effectRef idx="0">
+            <a:schemeClr val="accent1"/>
+          </a:effectRef>
+          <a:fontRef idx="minor">
+            <a:schemeClr val="lt1"/>
+          </a:fontRef>
+        </p:style>
+        <p:txBody>
+          <a:bodyPr rtlCol="0" anchor="ctr"/>
+          <a:lstStyle/>
+          <a:p>
+            <a:pPr algn="ctr"/>
+            <a:endParaRPr lang="en-US"/>
+          </a:p>
+        </p:txBody>
+      </p:sp>
+      <p:pic>
+        <p:nvPicPr>
+          <p:cNvPr id="4" name="Picture 3" descr="A screenshot of a video game&#10;&#10;Description automatically generated with medium confidence">
+            <a:extLst>
+              <a:ext uri="{FF2B5EF4-FFF2-40B4-BE49-F238E27FC236}">
+                <a16:creationId xmlns:a16="http://schemas.microsoft.com/office/drawing/2014/main" id="{F237AC33-D151-4D05-85F7-AF85F0472FAD}"/>
+              </a:ext>
+            </a:extLst>
+          </p:cNvPr>
+          <p:cNvPicPr>
+            <a:picLocks noChangeAspect="1"/>
+          </p:cNvPicPr>
+          <p:nvPr/>
+        </p:nvPicPr>
+        <p:blipFill rotWithShape="1">
+          <a:blip r:embed="rId3"/>
+          <a:srcRect l="1035" t="1504" r="1747" b="1838"/>
+          <a:stretch/>
+        </p:blipFill>
+        <p:spPr>
+          <a:xfrm>
+            <a:off x="5802084" y="249695"/>
+            <a:ext cx="5234209" cy="4085237"/>
+          </a:xfrm>
+          <a:prstGeom prst="rect">
+            <a:avLst/>
+          </a:prstGeom>
+          <a:ln>
+            <a:solidFill>
+              <a:schemeClr val="bg1"/>
+            </a:solidFill>
+          </a:ln>
+        </p:spPr>
+      </p:pic>
+      <p:pic>
+        <p:nvPicPr>
+          <p:cNvPr id="7" name="Picture 6" descr="A screenshot of a video game&#10;&#10;Description automatically generated with medium confidence">
+            <a:extLst>
+              <a:ext uri="{FF2B5EF4-FFF2-40B4-BE49-F238E27FC236}">
+                <a16:creationId xmlns:a16="http://schemas.microsoft.com/office/drawing/2014/main" id="{DBA10F00-C1DB-4D35-B568-3961EF494420}"/>
+              </a:ext>
+            </a:extLst>
+          </p:cNvPr>
+          <p:cNvPicPr>
+            <a:picLocks noChangeAspect="1"/>
+          </p:cNvPicPr>
+          <p:nvPr/>
+        </p:nvPicPr>
+        <p:blipFill rotWithShape="1">
+          <a:blip r:embed="rId3"/>
+          <a:srcRect l="1035" t="54755" r="1747" b="1838"/>
+          <a:stretch/>
+        </p:blipFill>
+        <p:spPr>
+          <a:xfrm>
+            <a:off x="5802084" y="4782056"/>
+            <a:ext cx="5234208" cy="1834568"/>
+          </a:xfrm>
+          <a:prstGeom prst="rect">
+            <a:avLst/>
+          </a:prstGeom>
+          <a:ln>
+            <a:solidFill>
+              <a:schemeClr val="bg1"/>
+            </a:solidFill>
+          </a:ln>
+        </p:spPr>
+      </p:pic>
+      <p:sp>
+        <p:nvSpPr>
+          <p:cNvPr id="5" name="Arrow: Down 4">
+            <a:extLst>
+              <a:ext uri="{FF2B5EF4-FFF2-40B4-BE49-F238E27FC236}">
+                <a16:creationId xmlns:a16="http://schemas.microsoft.com/office/drawing/2014/main" id="{FA59A108-E704-4B8C-B1B1-C762872A0E99}"/>
+              </a:ext>
+            </a:extLst>
+          </p:cNvPr>
+          <p:cNvSpPr/>
+          <p:nvPr/>
+        </p:nvSpPr>
+        <p:spPr>
+          <a:xfrm>
+            <a:off x="8053727" y="4186749"/>
+            <a:ext cx="771865" cy="795755"/>
+          </a:xfrm>
+          <a:prstGeom prst="downArrow">
+            <a:avLst/>
+          </a:prstGeom>
+          <a:solidFill>
+            <a:srgbClr val="7030A0"/>
+          </a:solidFill>
+        </p:spPr>
+        <p:style>
+          <a:lnRef idx="2">
+            <a:schemeClr val="dk1">
+              <a:shade val="50000"/>
+            </a:schemeClr>
+          </a:lnRef>
+          <a:fillRef idx="1">
+            <a:schemeClr val="dk1"/>
+          </a:fillRef>
+          <a:effectRef idx="0">
+            <a:schemeClr val="dk1"/>
+          </a:effectRef>
+          <a:fontRef idx="minor">
+            <a:schemeClr val="lt1"/>
+          </a:fontRef>
+        </p:style>
+        <p:txBody>
+          <a:bodyPr rtlCol="0" anchor="ctr"/>
+          <a:lstStyle/>
+          <a:p>
+            <a:pPr algn="ctr"/>
+            <a:endParaRPr lang="en-GB"/>
           </a:p>
         </p:txBody>
       </p:sp>
@@ -8723,21 +10385,21 @@
 </file>
 
 <file path=customXml/item1.xml><?xml version="1.0" encoding="utf-8"?>
+<p:properties xmlns:p="http://schemas.microsoft.com/office/2006/metadata/properties" xmlns:xsi="http://www.w3.org/2001/XMLSchema-instance" xmlns:pc="http://schemas.microsoft.com/office/infopath/2007/PartnerControls">
+  <documentManagement>
+    <Status xmlns="71af3243-3dd4-4a8d-8c0d-dd76da1f02a5">Not started</Status>
+    <MediaServiceKeyPoints xmlns="71af3243-3dd4-4a8d-8c0d-dd76da1f02a5" xsi:nil="true"/>
+  </documentManagement>
+</p:properties>
+</file>
+
+<file path=customXml/item2.xml><?xml version="1.0" encoding="utf-8"?>
 <?mso-contentType ?>
 <FormTemplates xmlns="http://schemas.microsoft.com/sharepoint/v3/contenttype/forms">
   <Display>DocumentLibraryForm</Display>
   <Edit>DocumentLibraryForm</Edit>
   <New>DocumentLibraryForm</New>
 </FormTemplates>
-</file>
-
-<file path=customXml/item2.xml><?xml version="1.0" encoding="utf-8"?>
-<p:properties xmlns:p="http://schemas.microsoft.com/office/2006/metadata/properties" xmlns:xsi="http://www.w3.org/2001/XMLSchema-instance" xmlns:pc="http://schemas.microsoft.com/office/infopath/2007/PartnerControls">
-  <documentManagement>
-    <Status xmlns="71af3243-3dd4-4a8d-8c0d-dd76da1f02a5">Not started</Status>
-    <MediaServiceKeyPoints xmlns="71af3243-3dd4-4a8d-8c0d-dd76da1f02a5" xsi:nil="true"/>
-  </documentManagement>
-</p:properties>
 </file>
 
 <file path=customXml/item3.xml><?xml version="1.0" encoding="utf-8"?>
@@ -8962,19 +10624,19 @@
 </file>
 
 <file path=customXml/itemProps1.xml><?xml version="1.0" encoding="utf-8"?>
-<ds:datastoreItem xmlns:ds="http://schemas.openxmlformats.org/officeDocument/2006/customXml" ds:itemID="{64B270AB-C138-415C-897E-3C24487DECF1}">
+<ds:datastoreItem xmlns:ds="http://schemas.openxmlformats.org/officeDocument/2006/customXml" ds:itemID="{2C4C00F4-06E9-43E3-AD97-88A857CEFA82}">
   <ds:schemaRefs>
-    <ds:schemaRef ds:uri="http://schemas.microsoft.com/sharepoint/v3/contenttype/forms"/>
+    <ds:schemaRef ds:uri="http://schemas.microsoft.com/office/2006/metadata/properties"/>
+    <ds:schemaRef ds:uri="http://schemas.microsoft.com/office/infopath/2007/PartnerControls"/>
+    <ds:schemaRef ds:uri="71af3243-3dd4-4a8d-8c0d-dd76da1f02a5"/>
   </ds:schemaRefs>
 </ds:datastoreItem>
 </file>
 
 <file path=customXml/itemProps2.xml><?xml version="1.0" encoding="utf-8"?>
-<ds:datastoreItem xmlns:ds="http://schemas.openxmlformats.org/officeDocument/2006/customXml" ds:itemID="{2C4C00F4-06E9-43E3-AD97-88A857CEFA82}">
+<ds:datastoreItem xmlns:ds="http://schemas.openxmlformats.org/officeDocument/2006/customXml" ds:itemID="{64B270AB-C138-415C-897E-3C24487DECF1}">
   <ds:schemaRefs>
-    <ds:schemaRef ds:uri="http://schemas.microsoft.com/office/2006/metadata/properties"/>
-    <ds:schemaRef ds:uri="http://schemas.microsoft.com/office/infopath/2007/PartnerControls"/>
-    <ds:schemaRef ds:uri="71af3243-3dd4-4a8d-8c0d-dd76da1f02a5"/>
+    <ds:schemaRef ds:uri="http://schemas.microsoft.com/sharepoint/v3/contenttype/forms"/>
   </ds:schemaRefs>
 </ds:datastoreItem>
 </file>

--- a/Mid_project_demo.pptx
+++ b/Mid_project_demo.pptx
@@ -132,7 +132,7 @@
 <file path=ppt/revisionInfo.xml><?xml version="1.0" encoding="utf-8"?>
 <p1510:revInfo xmlns:a="http://schemas.openxmlformats.org/drawingml/2006/main" xmlns:r="http://schemas.openxmlformats.org/officeDocument/2006/relationships" xmlns:p1510="http://schemas.microsoft.com/office/powerpoint/2015/10/main">
   <p1510:revLst>
-    <p1510:client id="{DCAE0532-CEAF-47B9-8E7A-F7D74819B97E}" v="8" dt="2022-03-10T00:47:12.906"/>
+    <p1510:client id="{8397F135-E3E4-4F37-AD99-8921BDD3D1EE}" v="6" dt="2022-03-23T12:29:28.100"/>
   </p1510:revLst>
 </p1510:revInfo>
 </file>
@@ -613,6 +613,139 @@
       </pc:sldChg>
     </pc:docChg>
   </pc:docChgLst>
+  <pc:docChgLst>
+    <pc:chgData name="Josh Wells" userId="b4e6e8a058fd5eea" providerId="LiveId" clId="{8397F135-E3E4-4F37-AD99-8921BDD3D1EE}"/>
+    <pc:docChg chg="custSel modSld">
+      <pc:chgData name="Josh Wells" userId="b4e6e8a058fd5eea" providerId="LiveId" clId="{8397F135-E3E4-4F37-AD99-8921BDD3D1EE}" dt="2022-03-23T12:31:28.692" v="317" actId="12"/>
+      <pc:docMkLst>
+        <pc:docMk/>
+      </pc:docMkLst>
+      <pc:sldChg chg="addSp modSp mod setBg">
+        <pc:chgData name="Josh Wells" userId="b4e6e8a058fd5eea" providerId="LiveId" clId="{8397F135-E3E4-4F37-AD99-8921BDD3D1EE}" dt="2022-03-23T12:29:32.272" v="175" actId="403"/>
+        <pc:sldMkLst>
+          <pc:docMk/>
+          <pc:sldMk cId="1842851342" sldId="281"/>
+        </pc:sldMkLst>
+        <pc:spChg chg="mod">
+          <ac:chgData name="Josh Wells" userId="b4e6e8a058fd5eea" providerId="LiveId" clId="{8397F135-E3E4-4F37-AD99-8921BDD3D1EE}" dt="2022-03-23T12:29:16.119" v="170" actId="26606"/>
+          <ac:spMkLst>
+            <pc:docMk/>
+            <pc:sldMk cId="1842851342" sldId="281"/>
+            <ac:spMk id="2" creationId="{2672CDEE-9EB6-428E-90C5-FEB848985836}"/>
+          </ac:spMkLst>
+        </pc:spChg>
+        <pc:spChg chg="mod">
+          <ac:chgData name="Josh Wells" userId="b4e6e8a058fd5eea" providerId="LiveId" clId="{8397F135-E3E4-4F37-AD99-8921BDD3D1EE}" dt="2022-03-23T12:29:32.272" v="175" actId="403"/>
+          <ac:spMkLst>
+            <pc:docMk/>
+            <pc:sldMk cId="1842851342" sldId="281"/>
+            <ac:spMk id="3" creationId="{83EA986A-4517-4681-A504-602DCCF82851}"/>
+          </ac:spMkLst>
+        </pc:spChg>
+        <pc:spChg chg="add">
+          <ac:chgData name="Josh Wells" userId="b4e6e8a058fd5eea" providerId="LiveId" clId="{8397F135-E3E4-4F37-AD99-8921BDD3D1EE}" dt="2022-03-23T12:29:16.119" v="170" actId="26606"/>
+          <ac:spMkLst>
+            <pc:docMk/>
+            <pc:sldMk cId="1842851342" sldId="281"/>
+            <ac:spMk id="71" creationId="{A98FD4FC-479A-4C2B-84A5-CF81E055FBC0}"/>
+          </ac:spMkLst>
+        </pc:spChg>
+        <pc:spChg chg="add">
+          <ac:chgData name="Josh Wells" userId="b4e6e8a058fd5eea" providerId="LiveId" clId="{8397F135-E3E4-4F37-AD99-8921BDD3D1EE}" dt="2022-03-23T12:29:16.119" v="170" actId="26606"/>
+          <ac:spMkLst>
+            <pc:docMk/>
+            <pc:sldMk cId="1842851342" sldId="281"/>
+            <ac:spMk id="73" creationId="{37D54B6C-87D0-4C03-8335-3955179D2B5B}"/>
+          </ac:spMkLst>
+        </pc:spChg>
+        <pc:picChg chg="add mod">
+          <ac:chgData name="Josh Wells" userId="b4e6e8a058fd5eea" providerId="LiveId" clId="{8397F135-E3E4-4F37-AD99-8921BDD3D1EE}" dt="2022-03-23T12:29:28.099" v="174" actId="1076"/>
+          <ac:picMkLst>
+            <pc:docMk/>
+            <pc:sldMk cId="1842851342" sldId="281"/>
+            <ac:picMk id="1026" creationId="{9322BEDF-BD1D-4626-AF60-BF4BCDDE604E}"/>
+          </ac:picMkLst>
+        </pc:picChg>
+      </pc:sldChg>
+      <pc:sldChg chg="addSp modSp mod setBg">
+        <pc:chgData name="Josh Wells" userId="b4e6e8a058fd5eea" providerId="LiveId" clId="{8397F135-E3E4-4F37-AD99-8921BDD3D1EE}" dt="2022-03-23T12:30:03.427" v="178" actId="12"/>
+        <pc:sldMkLst>
+          <pc:docMk/>
+          <pc:sldMk cId="1849728417" sldId="282"/>
+        </pc:sldMkLst>
+        <pc:spChg chg="mod">
+          <ac:chgData name="Josh Wells" userId="b4e6e8a058fd5eea" providerId="LiveId" clId="{8397F135-E3E4-4F37-AD99-8921BDD3D1EE}" dt="2022-03-23T12:29:53.247" v="176" actId="26606"/>
+          <ac:spMkLst>
+            <pc:docMk/>
+            <pc:sldMk cId="1849728417" sldId="282"/>
+            <ac:spMk id="2" creationId="{4071D1B3-841A-4E7A-B004-C55A0BDD37A8}"/>
+          </ac:spMkLst>
+        </pc:spChg>
+        <pc:spChg chg="mod">
+          <ac:chgData name="Josh Wells" userId="b4e6e8a058fd5eea" providerId="LiveId" clId="{8397F135-E3E4-4F37-AD99-8921BDD3D1EE}" dt="2022-03-23T12:30:03.427" v="178" actId="12"/>
+          <ac:spMkLst>
+            <pc:docMk/>
+            <pc:sldMk cId="1849728417" sldId="282"/>
+            <ac:spMk id="3" creationId="{AA21EFE9-270C-49BF-8082-DF480314B0F4}"/>
+          </ac:spMkLst>
+        </pc:spChg>
+        <pc:spChg chg="add">
+          <ac:chgData name="Josh Wells" userId="b4e6e8a058fd5eea" providerId="LiveId" clId="{8397F135-E3E4-4F37-AD99-8921BDD3D1EE}" dt="2022-03-23T12:29:53.247" v="176" actId="26606"/>
+          <ac:spMkLst>
+            <pc:docMk/>
+            <pc:sldMk cId="1849728417" sldId="282"/>
+            <ac:spMk id="9" creationId="{0EF2A0DA-AE81-4A45-972E-646AC2870C2F}"/>
+          </ac:spMkLst>
+        </pc:spChg>
+        <pc:picChg chg="add">
+          <ac:chgData name="Josh Wells" userId="b4e6e8a058fd5eea" providerId="LiveId" clId="{8397F135-E3E4-4F37-AD99-8921BDD3D1EE}" dt="2022-03-23T12:29:53.247" v="176" actId="26606"/>
+          <ac:picMkLst>
+            <pc:docMk/>
+            <pc:sldMk cId="1849728417" sldId="282"/>
+            <ac:picMk id="5" creationId="{30116B1D-1550-69C6-786E-4F2E9077A88B}"/>
+          </ac:picMkLst>
+        </pc:picChg>
+        <pc:picChg chg="add">
+          <ac:chgData name="Josh Wells" userId="b4e6e8a058fd5eea" providerId="LiveId" clId="{8397F135-E3E4-4F37-AD99-8921BDD3D1EE}" dt="2022-03-23T12:29:53.247" v="176" actId="26606"/>
+          <ac:picMkLst>
+            <pc:docMk/>
+            <pc:sldMk cId="1849728417" sldId="282"/>
+            <ac:picMk id="11" creationId="{B536FA4E-0152-4E27-91DA-0FC22D1846BB}"/>
+          </ac:picMkLst>
+        </pc:picChg>
+      </pc:sldChg>
+      <pc:sldChg chg="modSp mod">
+        <pc:chgData name="Josh Wells" userId="b4e6e8a058fd5eea" providerId="LiveId" clId="{8397F135-E3E4-4F37-AD99-8921BDD3D1EE}" dt="2022-03-23T12:31:03.074" v="266" actId="20577"/>
+        <pc:sldMkLst>
+          <pc:docMk/>
+          <pc:sldMk cId="229600987" sldId="283"/>
+        </pc:sldMkLst>
+        <pc:spChg chg="mod">
+          <ac:chgData name="Josh Wells" userId="b4e6e8a058fd5eea" providerId="LiveId" clId="{8397F135-E3E4-4F37-AD99-8921BDD3D1EE}" dt="2022-03-23T12:31:03.074" v="266" actId="20577"/>
+          <ac:spMkLst>
+            <pc:docMk/>
+            <pc:sldMk cId="229600987" sldId="283"/>
+            <ac:spMk id="3" creationId="{40F5693C-D42A-4E1B-9864-CBBD880B6EAE}"/>
+          </ac:spMkLst>
+        </pc:spChg>
+      </pc:sldChg>
+      <pc:sldChg chg="modSp mod">
+        <pc:chgData name="Josh Wells" userId="b4e6e8a058fd5eea" providerId="LiveId" clId="{8397F135-E3E4-4F37-AD99-8921BDD3D1EE}" dt="2022-03-23T12:31:28.692" v="317" actId="12"/>
+        <pc:sldMkLst>
+          <pc:docMk/>
+          <pc:sldMk cId="166617335" sldId="284"/>
+        </pc:sldMkLst>
+        <pc:spChg chg="mod">
+          <ac:chgData name="Josh Wells" userId="b4e6e8a058fd5eea" providerId="LiveId" clId="{8397F135-E3E4-4F37-AD99-8921BDD3D1EE}" dt="2022-03-23T12:31:28.692" v="317" actId="12"/>
+          <ac:spMkLst>
+            <pc:docMk/>
+            <pc:sldMk cId="166617335" sldId="284"/>
+            <ac:spMk id="3" creationId="{03513E3F-059E-4441-8813-A6FEC97DA451}"/>
+          </ac:spMkLst>
+        </pc:spChg>
+      </pc:sldChg>
+    </pc:docChg>
+  </pc:docChgLst>
 </pc:chgInfo>
 </file>
 
@@ -698,7 +831,7 @@
           <a:p>
             <a:fld id="{AFD01546-198A-4195-BCF8-F0FF54C90E5E}" type="datetimeFigureOut">
               <a:rPr lang="en-US" smtClean="0"/>
-              <a:t>3/10/2022</a:t>
+              <a:t>3/23/2022</a:t>
             </a:fld>
             <a:endParaRPr lang="en-US" dirty="0"/>
           </a:p>
@@ -1294,7 +1427,7 @@
           <a:p>
             <a:fld id="{88D38747-4367-4BD2-8D51-C97E202738E2}" type="datetime1">
               <a:rPr lang="en-US" smtClean="0"/>
-              <a:t>3/10/2022</a:t>
+              <a:t>3/23/2022</a:t>
             </a:fld>
             <a:endParaRPr lang="en-US" dirty="0"/>
           </a:p>
@@ -1599,7 +1732,7 @@
           <a:p>
             <a:fld id="{11F1B079-7EF0-44EE-B798-BCC497C9F3B2}" type="datetime1">
               <a:rPr lang="en-US" smtClean="0"/>
-              <a:t>3/10/2022</a:t>
+              <a:t>3/23/2022</a:t>
             </a:fld>
             <a:endParaRPr lang="en-US" dirty="0"/>
           </a:p>
@@ -1793,7 +1926,7 @@
           <a:p>
             <a:fld id="{28FF70A8-1D13-4657-95F0-A9EA54967B8D}" type="datetime1">
               <a:rPr lang="en-US" smtClean="0"/>
-              <a:t>3/10/2022</a:t>
+              <a:t>3/23/2022</a:t>
             </a:fld>
             <a:endParaRPr lang="en-US" dirty="0"/>
           </a:p>
@@ -2056,7 +2189,7 @@
           <a:p>
             <a:fld id="{21EB90AC-71BD-4C7F-8ACA-7B3F18292E63}" type="datetime1">
               <a:rPr lang="en-US" smtClean="0"/>
-              <a:t>3/10/2022</a:t>
+              <a:t>3/23/2022</a:t>
             </a:fld>
             <a:endParaRPr lang="en-US" dirty="0"/>
           </a:p>
@@ -2492,7 +2625,7 @@
           <a:p>
             <a:fld id="{4E6EFC2C-8905-46F0-B443-CE905B76BA01}" type="datetime1">
               <a:rPr lang="en-US" smtClean="0"/>
-              <a:t>3/10/2022</a:t>
+              <a:t>3/23/2022</a:t>
             </a:fld>
             <a:endParaRPr lang="en-US" dirty="0"/>
           </a:p>
@@ -3029,7 +3162,7 @@
           <a:p>
             <a:fld id="{D9079DC3-C9B5-499E-9140-0DC28B7074E2}" type="datetime1">
               <a:rPr lang="en-US" smtClean="0"/>
-              <a:t>3/10/2022</a:t>
+              <a:t>3/23/2022</a:t>
             </a:fld>
             <a:endParaRPr lang="en-US" dirty="0"/>
           </a:p>
@@ -3911,7 +4044,7 @@
           <a:p>
             <a:fld id="{30BB33EA-E472-4D22-9C03-A9C14AA21CED}" type="datetime1">
               <a:rPr lang="en-US" smtClean="0"/>
-              <a:t>3/10/2022</a:t>
+              <a:t>3/23/2022</a:t>
             </a:fld>
             <a:endParaRPr lang="en-US" dirty="0"/>
           </a:p>
@@ -4081,7 +4214,7 @@
           <a:p>
             <a:fld id="{73C55A3C-5767-4844-A0A3-83778C2E5409}" type="datetime1">
               <a:rPr lang="en-US" smtClean="0"/>
-              <a:t>3/10/2022</a:t>
+              <a:t>3/23/2022</a:t>
             </a:fld>
             <a:endParaRPr lang="en-US" dirty="0"/>
           </a:p>
@@ -4325,7 +4458,7 @@
           <a:p>
             <a:fld id="{CAE507A8-A5CF-4D38-AB86-7EDDA87A85D4}" type="datetime1">
               <a:rPr lang="en-US" smtClean="0"/>
-              <a:t>3/10/2022</a:t>
+              <a:t>3/23/2022</a:t>
             </a:fld>
             <a:endParaRPr lang="en-US" dirty="0"/>
           </a:p>
@@ -4567,7 +4700,7 @@
           <a:p>
             <a:fld id="{BDFCD27C-8599-43EF-BA1D-14DDC1946E06}" type="datetime1">
               <a:rPr lang="en-US" smtClean="0"/>
-              <a:t>3/10/2022</a:t>
+              <a:t>3/23/2022</a:t>
             </a:fld>
             <a:endParaRPr lang="en-US" dirty="0"/>
           </a:p>
@@ -5050,7 +5183,7 @@
           <a:p>
             <a:fld id="{49343D99-809A-49C0-96E5-4250D0B498EE}" type="datetime1">
               <a:rPr lang="en-US" smtClean="0"/>
-              <a:t>3/10/2022</a:t>
+              <a:t>3/23/2022</a:t>
             </a:fld>
             <a:endParaRPr lang="en-US" dirty="0"/>
           </a:p>
@@ -5168,7 +5301,7 @@
           <a:p>
             <a:fld id="{A143DE9B-B678-4EFB-BB7D-A4370204A0B0}" type="datetime1">
               <a:rPr lang="en-US" smtClean="0"/>
-              <a:t>3/10/2022</a:t>
+              <a:t>3/23/2022</a:t>
             </a:fld>
             <a:endParaRPr lang="en-US" dirty="0"/>
           </a:p>
@@ -5263,7 +5396,7 @@
           <a:p>
             <a:fld id="{E68812DA-F765-4142-A6A3-A8ED7235E082}" type="datetime1">
               <a:rPr lang="en-US" smtClean="0"/>
-              <a:t>3/10/2022</a:t>
+              <a:t>3/23/2022</a:t>
             </a:fld>
             <a:endParaRPr lang="en-US" dirty="0"/>
           </a:p>
@@ -5518,7 +5651,7 @@
           <a:p>
             <a:fld id="{3E0277FD-7DE6-41D4-930D-AC99F5AFE54E}" type="datetime1">
               <a:rPr lang="en-US" smtClean="0"/>
-              <a:t>3/10/2022</a:t>
+              <a:t>3/23/2022</a:t>
             </a:fld>
             <a:endParaRPr lang="en-US" dirty="0"/>
           </a:p>
@@ -5825,7 +5958,7 @@
           <a:p>
             <a:fld id="{9EA15526-7079-4B7B-987C-1B5FAE11A0FF}" type="datetime1">
               <a:rPr lang="en-US" smtClean="0"/>
-              <a:t>3/10/2022</a:t>
+              <a:t>3/23/2022</a:t>
             </a:fld>
             <a:endParaRPr lang="en-US" dirty="0"/>
           </a:p>
@@ -6060,7 +6193,7 @@
           <a:p>
             <a:fld id="{073ED0CC-082F-4160-86E5-0D6041F12778}" type="datetime1">
               <a:rPr lang="en-US" smtClean="0"/>
-              <a:t>3/10/2022</a:t>
+              <a:t>3/23/2022</a:t>
             </a:fld>
             <a:endParaRPr lang="en-US" dirty="0"/>
           </a:p>
@@ -6978,7 +7111,7 @@
           </a:effectLst>
           <a:extLst>
             <a:ext uri="{91240B29-F687-4f45-9708-019B960494DF}">
-              <a14:hiddenLine xmlns="" xmlns:a14="http://schemas.microsoft.com/office/drawing/2010/main" xmlns:p14="http://schemas.microsoft.com/office/powerpoint/2010/main" xmlns:a16="http://schemas.microsoft.com/office/drawing/2014/main" w="9525">
+              <a14:hiddenLine xmlns:a16="http://schemas.microsoft.com/office/drawing/2014/main" xmlns:p14="http://schemas.microsoft.com/office/powerpoint/2010/main" xmlns:a14="http://schemas.microsoft.com/office/drawing/2010/main" xmlns="" w="9525">
                 <a:solidFill>
                   <a:srgbClr val="000000"/>
                 </a:solidFill>
@@ -8982,6 +9115,25 @@
 <file path=ppt/slides/slide4.xml><?xml version="1.0" encoding="utf-8"?>
 <p:sld xmlns:a="http://schemas.openxmlformats.org/drawingml/2006/main" xmlns:r="http://schemas.openxmlformats.org/officeDocument/2006/relationships" xmlns:p="http://schemas.openxmlformats.org/presentationml/2006/main">
   <p:cSld>
+    <p:bg>
+      <p:bgPr>
+        <a:blipFill rotWithShape="1">
+          <a:blip r:embed="rId2">
+            <a:duotone>
+              <a:schemeClr val="bg1">
+                <a:shade val="80000"/>
+                <a:lumMod val="80000"/>
+              </a:schemeClr>
+              <a:schemeClr val="bg1">
+                <a:tint val="98000"/>
+              </a:schemeClr>
+            </a:duotone>
+          </a:blip>
+          <a:stretch/>
+        </a:blipFill>
+        <a:effectLst/>
+      </p:bgPr>
+    </p:bg>
     <p:spTree>
       <p:nvGrpSpPr>
         <p:cNvPr id="1" name=""/>
@@ -8998,6 +9150,274 @@
       </p:grpSpPr>
       <p:sp>
         <p:nvSpPr>
+          <p:cNvPr id="71" name="Rectangle 70">
+            <a:extLst>
+              <a:ext uri="{FF2B5EF4-FFF2-40B4-BE49-F238E27FC236}">
+                <a16:creationId xmlns:a16="http://schemas.microsoft.com/office/drawing/2014/main" id="{A98FD4FC-479A-4C2B-84A5-CF81E055FBC0}"/>
+              </a:ext>
+              <a:ext uri="{C183D7F6-B498-43B3-948B-1728B52AA6E4}">
+                <adec:decorative xmlns:adec="http://schemas.microsoft.com/office/drawing/2017/decorative" val="1"/>
+              </a:ext>
+            </a:extLst>
+          </p:cNvPr>
+          <p:cNvSpPr>
+            <a:spLocks noGrp="1" noRot="1" noChangeAspect="1" noMove="1" noResize="1" noEditPoints="1" noAdjustHandles="1" noChangeArrowheads="1" noChangeShapeType="1" noTextEdit="1"/>
+          </p:cNvSpPr>
+          <p:nvPr>
+            <p:extLst>
+              <p:ext uri="{386F3935-93C4-4BCD-93E2-E3B085C9AB24}">
+                <p16:designElem xmlns:p16="http://schemas.microsoft.com/office/powerpoint/2015/main" val="1"/>
+              </p:ext>
+            </p:extLst>
+          </p:nvPr>
+        </p:nvSpPr>
+        <p:spPr>
+          <a:xfrm>
+            <a:off x="0" y="0"/>
+            <a:ext cx="12192000" cy="6858000"/>
+          </a:xfrm>
+          <a:prstGeom prst="rect">
+            <a:avLst/>
+          </a:prstGeom>
+          <a:solidFill>
+            <a:srgbClr val="FFFFFF"/>
+          </a:solidFill>
+          <a:ln>
+            <a:noFill/>
+          </a:ln>
+        </p:spPr>
+        <p:style>
+          <a:lnRef idx="2">
+            <a:schemeClr val="accent1">
+              <a:shade val="50000"/>
+            </a:schemeClr>
+          </a:lnRef>
+          <a:fillRef idx="1">
+            <a:schemeClr val="accent1"/>
+          </a:fillRef>
+          <a:effectRef idx="0">
+            <a:schemeClr val="accent1"/>
+          </a:effectRef>
+          <a:fontRef idx="minor">
+            <a:schemeClr val="lt1"/>
+          </a:fontRef>
+        </p:style>
+        <p:txBody>
+          <a:bodyPr rtlCol="0" anchor="ctr"/>
+          <a:lstStyle/>
+          <a:p>
+            <a:pPr algn="ctr"/>
+            <a:endParaRPr lang="en-US"/>
+          </a:p>
+        </p:txBody>
+      </p:sp>
+      <p:sp useBgFill="1">
+        <p:nvSpPr>
+          <p:cNvPr id="73" name="Freeform 5">
+            <a:extLst>
+              <a:ext uri="{FF2B5EF4-FFF2-40B4-BE49-F238E27FC236}">
+                <a16:creationId xmlns:a16="http://schemas.microsoft.com/office/drawing/2014/main" id="{37D54B6C-87D0-4C03-8335-3955179D2B5B}"/>
+              </a:ext>
+              <a:ext uri="{C183D7F6-B498-43B3-948B-1728B52AA6E4}">
+                <adec:decorative xmlns:adec="http://schemas.microsoft.com/office/drawing/2017/decorative" val="1"/>
+              </a:ext>
+            </a:extLst>
+          </p:cNvPr>
+          <p:cNvSpPr>
+            <a:spLocks noGrp="1" noRot="1" noChangeAspect="1" noMove="1" noResize="1" noEditPoints="1" noAdjustHandles="1" noChangeArrowheads="1" noChangeShapeType="1" noTextEdit="1"/>
+          </p:cNvSpPr>
+          <p:nvPr>
+            <p:extLst>
+              <p:ext uri="{386F3935-93C4-4BCD-93E2-E3B085C9AB24}">
+                <p16:designElem xmlns:p16="http://schemas.microsoft.com/office/powerpoint/2015/main" val="1"/>
+              </p:ext>
+            </p:extLst>
+          </p:nvPr>
+        </p:nvSpPr>
+        <p:spPr bwMode="auto">
+          <a:xfrm rot="5400000">
+            <a:off x="-118536" y="1371603"/>
+            <a:ext cx="5624423" cy="4100418"/>
+          </a:xfrm>
+          <a:custGeom>
+            <a:avLst/>
+            <a:gdLst>
+              <a:gd name="T0" fmla="*/ 1577 w 1601"/>
+              <a:gd name="T1" fmla="*/ 0 h 696"/>
+              <a:gd name="T2" fmla="*/ 833 w 1601"/>
+              <a:gd name="T3" fmla="*/ 0 h 696"/>
+              <a:gd name="T4" fmla="*/ 768 w 1601"/>
+              <a:gd name="T5" fmla="*/ 0 h 696"/>
+              <a:gd name="T6" fmla="*/ 24 w 1601"/>
+              <a:gd name="T7" fmla="*/ 0 h 696"/>
+              <a:gd name="T8" fmla="*/ 0 w 1601"/>
+              <a:gd name="T9" fmla="*/ 27 h 696"/>
+              <a:gd name="T10" fmla="*/ 0 w 1601"/>
+              <a:gd name="T11" fmla="*/ 669 h 696"/>
+              <a:gd name="T12" fmla="*/ 24 w 1601"/>
+              <a:gd name="T13" fmla="*/ 696 h 696"/>
+              <a:gd name="T14" fmla="*/ 768 w 1601"/>
+              <a:gd name="T15" fmla="*/ 696 h 696"/>
+              <a:gd name="T16" fmla="*/ 833 w 1601"/>
+              <a:gd name="T17" fmla="*/ 696 h 696"/>
+              <a:gd name="T18" fmla="*/ 1577 w 1601"/>
+              <a:gd name="T19" fmla="*/ 696 h 696"/>
+              <a:gd name="T20" fmla="*/ 1601 w 1601"/>
+              <a:gd name="T21" fmla="*/ 669 h 696"/>
+              <a:gd name="T22" fmla="*/ 1601 w 1601"/>
+              <a:gd name="T23" fmla="*/ 27 h 696"/>
+              <a:gd name="T24" fmla="*/ 1577 w 1601"/>
+              <a:gd name="T25" fmla="*/ 0 h 696"/>
+            </a:gdLst>
+            <a:ahLst/>
+            <a:cxnLst>
+              <a:cxn ang="0">
+                <a:pos x="T0" y="T1"/>
+              </a:cxn>
+              <a:cxn ang="0">
+                <a:pos x="T2" y="T3"/>
+              </a:cxn>
+              <a:cxn ang="0">
+                <a:pos x="T4" y="T5"/>
+              </a:cxn>
+              <a:cxn ang="0">
+                <a:pos x="T6" y="T7"/>
+              </a:cxn>
+              <a:cxn ang="0">
+                <a:pos x="T8" y="T9"/>
+              </a:cxn>
+              <a:cxn ang="0">
+                <a:pos x="T10" y="T11"/>
+              </a:cxn>
+              <a:cxn ang="0">
+                <a:pos x="T12" y="T13"/>
+              </a:cxn>
+              <a:cxn ang="0">
+                <a:pos x="T14" y="T15"/>
+              </a:cxn>
+              <a:cxn ang="0">
+                <a:pos x="T16" y="T17"/>
+              </a:cxn>
+              <a:cxn ang="0">
+                <a:pos x="T18" y="T19"/>
+              </a:cxn>
+              <a:cxn ang="0">
+                <a:pos x="T20" y="T21"/>
+              </a:cxn>
+              <a:cxn ang="0">
+                <a:pos x="T22" y="T23"/>
+              </a:cxn>
+              <a:cxn ang="0">
+                <a:pos x="T24" y="T25"/>
+              </a:cxn>
+            </a:cxnLst>
+            <a:rect l="0" t="0" r="r" b="b"/>
+            <a:pathLst>
+              <a:path w="1601" h="696">
+                <a:moveTo>
+                  <a:pt x="1577" y="0"/>
+                </a:moveTo>
+                <a:cubicBezTo>
+                  <a:pt x="833" y="0"/>
+                  <a:pt x="833" y="0"/>
+                  <a:pt x="833" y="0"/>
+                </a:cubicBezTo>
+                <a:cubicBezTo>
+                  <a:pt x="768" y="0"/>
+                  <a:pt x="768" y="0"/>
+                  <a:pt x="768" y="0"/>
+                </a:cubicBezTo>
+                <a:cubicBezTo>
+                  <a:pt x="24" y="0"/>
+                  <a:pt x="24" y="0"/>
+                  <a:pt x="24" y="0"/>
+                </a:cubicBezTo>
+                <a:cubicBezTo>
+                  <a:pt x="11" y="0"/>
+                  <a:pt x="0" y="12"/>
+                  <a:pt x="0" y="27"/>
+                </a:cubicBezTo>
+                <a:cubicBezTo>
+                  <a:pt x="0" y="669"/>
+                  <a:pt x="0" y="669"/>
+                  <a:pt x="0" y="669"/>
+                </a:cubicBezTo>
+                <a:cubicBezTo>
+                  <a:pt x="0" y="684"/>
+                  <a:pt x="11" y="696"/>
+                  <a:pt x="24" y="696"/>
+                </a:cubicBezTo>
+                <a:cubicBezTo>
+                  <a:pt x="768" y="696"/>
+                  <a:pt x="768" y="696"/>
+                  <a:pt x="768" y="696"/>
+                </a:cubicBezTo>
+                <a:cubicBezTo>
+                  <a:pt x="833" y="696"/>
+                  <a:pt x="833" y="696"/>
+                  <a:pt x="833" y="696"/>
+                </a:cubicBezTo>
+                <a:cubicBezTo>
+                  <a:pt x="1577" y="696"/>
+                  <a:pt x="1577" y="696"/>
+                  <a:pt x="1577" y="696"/>
+                </a:cubicBezTo>
+                <a:cubicBezTo>
+                  <a:pt x="1590" y="696"/>
+                  <a:pt x="1601" y="684"/>
+                  <a:pt x="1601" y="669"/>
+                </a:cubicBezTo>
+                <a:cubicBezTo>
+                  <a:pt x="1601" y="27"/>
+                  <a:pt x="1601" y="27"/>
+                  <a:pt x="1601" y="27"/>
+                </a:cubicBezTo>
+                <a:cubicBezTo>
+                  <a:pt x="1601" y="12"/>
+                  <a:pt x="1590" y="0"/>
+                  <a:pt x="1577" y="0"/>
+                </a:cubicBezTo>
+                <a:close/>
+              </a:path>
+            </a:pathLst>
+          </a:custGeom>
+          <a:ln>
+            <a:noFill/>
+          </a:ln>
+          <a:effectLst>
+            <a:outerShdw blurRad="50800" dist="38100" dir="5400000" algn="tl" rotWithShape="0">
+              <a:srgbClr val="000000">
+                <a:alpha val="43000"/>
+              </a:srgbClr>
+            </a:outerShdw>
+          </a:effectLst>
+          <a:extLst>
+            <a:ext uri="{91240B29-F687-4f45-9708-019B960494DF}">
+              <a14:hiddenLine xmlns="" xmlns:a14="http://schemas.microsoft.com/office/drawing/2010/main" xmlns:p14="http://schemas.microsoft.com/office/powerpoint/2010/main" xmlns:a16="http://schemas.microsoft.com/office/drawing/2014/main" w="9525">
+                <a:solidFill>
+                  <a:srgbClr val="000000"/>
+                </a:solidFill>
+                <a:round/>
+                <a:headEnd/>
+                <a:tailEnd/>
+              </a14:hiddenLine>
+            </a:ext>
+          </a:extLst>
+        </p:spPr>
+        <p:txBody>
+          <a:bodyPr vert="horz" wrap="square" lIns="91440" tIns="45720" rIns="91440" bIns="45720" numCol="1" anchor="t" anchorCtr="0" compatLnSpc="1">
+            <a:prstTxWarp prst="textNoShape">
+              <a:avLst/>
+            </a:prstTxWarp>
+          </a:bodyPr>
+          <a:lstStyle/>
+          <a:p>
+            <a:endParaRPr lang="en-US"/>
+          </a:p>
+        </p:txBody>
+      </p:sp>
+      <p:sp>
+        <p:nvSpPr>
           <p:cNvPr id="2" name="Title 1">
             <a:extLst>
               <a:ext uri="{FF2B5EF4-FFF2-40B4-BE49-F238E27FC236}">
@@ -9012,14 +9432,22 @@
             <p:ph type="title"/>
           </p:nvPr>
         </p:nvSpPr>
-        <p:spPr/>
-        <p:txBody>
-          <a:bodyPr/>
+        <p:spPr>
+          <a:xfrm>
+            <a:off x="1039905" y="845387"/>
+            <a:ext cx="3470310" cy="1066689"/>
+          </a:xfrm>
+        </p:spPr>
+        <p:txBody>
+          <a:bodyPr anchor="b">
+            <a:normAutofit/>
+          </a:bodyPr>
           <a:lstStyle/>
           <a:p>
-            <a:r>
-              <a:rPr lang="en-GB" dirty="0"/>
-              <a:t>Turtlebot3</a:t>
+            <a:pPr algn="l"/>
+            <a:r>
+              <a:rPr lang="en-GB" sz="2400"/>
+              <a:t>Turtlebot3 (Waffle Pi)</a:t>
             </a:r>
           </a:p>
         </p:txBody>
@@ -9040,39 +9468,77 @@
             <p:ph idx="1"/>
           </p:nvPr>
         </p:nvSpPr>
-        <p:spPr/>
-        <p:txBody>
-          <a:bodyPr/>
+        <p:spPr>
+          <a:xfrm>
+            <a:off x="1039905" y="2147862"/>
+            <a:ext cx="3405573" cy="3499563"/>
+          </a:xfrm>
+        </p:spPr>
+        <p:txBody>
+          <a:bodyPr anchor="t">
+            <a:normAutofit/>
+          </a:bodyPr>
           <a:lstStyle/>
           <a:p>
-            <a:pPr marL="36900" indent="0">
-              <a:buNone/>
-            </a:pPr>
-            <a:r>
-              <a:rPr lang="en-GB" dirty="0"/>
-              <a:t>Turtlebot3 is the robot which I have selected for use during this project. As this project is mainly about developing lane and road sign recognition, I did not require a complex robot.</a:t>
-            </a:r>
-          </a:p>
-          <a:p>
-            <a:pPr marL="36900" indent="0">
-              <a:buNone/>
-            </a:pPr>
-            <a:r>
-              <a:rPr lang="en-GB" dirty="0"/>
-              <a:t>Turtlebot3 has 3 different models: Burger, Waffle &amp; Waffle Pi. I have chosen to use the Waffle Pi variant, as I do not require the use of the laser scanner that is available on the other models.</a:t>
-            </a:r>
-          </a:p>
-          <a:p>
-            <a:pPr marL="36900" indent="0">
-              <a:buNone/>
-            </a:pPr>
-            <a:r>
-              <a:rPr lang="en-GB" dirty="0"/>
+            <a:r>
+              <a:rPr lang="en-GB" sz="1800" dirty="0"/>
+              <a:t>Turtlebot3 (Waffle Pi) is the robot which I have selected for use during this project. </a:t>
+            </a:r>
+          </a:p>
+          <a:p>
+            <a:r>
+              <a:rPr lang="en-GB" sz="1800" dirty="0"/>
               <a:t>The robot for this project is simply required to have a forward facing camera, and the ability to drive around.</a:t>
             </a:r>
           </a:p>
         </p:txBody>
       </p:sp>
+      <p:pic>
+        <p:nvPicPr>
+          <p:cNvPr id="1026" name="Picture 2" descr="TurtleBot3 Waffle Pi">
+            <a:extLst>
+              <a:ext uri="{FF2B5EF4-FFF2-40B4-BE49-F238E27FC236}">
+                <a16:creationId xmlns:a16="http://schemas.microsoft.com/office/drawing/2014/main" id="{9322BEDF-BD1D-4626-AF60-BF4BCDDE604E}"/>
+              </a:ext>
+            </a:extLst>
+          </p:cNvPr>
+          <p:cNvPicPr>
+            <a:picLocks noChangeAspect="1" noChangeArrowheads="1"/>
+          </p:cNvPicPr>
+          <p:nvPr/>
+        </p:nvPicPr>
+        <p:blipFill>
+          <a:blip r:embed="rId3">
+            <a:extLst>
+              <a:ext uri="{28A0092B-C50C-407E-A947-70E740481C1C}">
+                <a14:useLocalDpi xmlns:a14="http://schemas.microsoft.com/office/drawing/2010/main" val="0"/>
+              </a:ext>
+            </a:extLst>
+          </a:blip>
+          <a:stretch>
+            <a:fillRect/>
+          </a:stretch>
+        </p:blipFill>
+        <p:spPr bwMode="auto">
+          <a:xfrm>
+            <a:off x="5387351" y="1216478"/>
+            <a:ext cx="6062459" cy="4107316"/>
+          </a:xfrm>
+          <a:prstGeom prst="rect">
+            <a:avLst/>
+          </a:prstGeom>
+          <a:noFill/>
+          <a:extLst>
+            <a:ext uri="{909E8E84-426E-40DD-AFC4-6F175D3DCCD1}">
+              <a14:hiddenFill xmlns:a14="http://schemas.microsoft.com/office/drawing/2010/main">
+                <a:solidFill>
+                  <a:srgbClr val="FFFFFF"/>
+                </a:solidFill>
+              </a14:hiddenFill>
+            </a:ext>
+          </a:extLst>
+        </p:spPr>
+      </p:pic>
     </p:spTree>
     <p:extLst>
       <p:ext uri="{BB962C8B-B14F-4D97-AF65-F5344CB8AC3E}">
@@ -9089,6 +9555,25 @@
 <file path=ppt/slides/slide5.xml><?xml version="1.0" encoding="utf-8"?>
 <p:sld xmlns:a="http://schemas.openxmlformats.org/drawingml/2006/main" xmlns:r="http://schemas.openxmlformats.org/officeDocument/2006/relationships" xmlns:p="http://schemas.openxmlformats.org/presentationml/2006/main">
   <p:cSld>
+    <p:bg>
+      <p:bgPr>
+        <a:blipFill rotWithShape="1">
+          <a:blip r:embed="rId2">
+            <a:duotone>
+              <a:schemeClr val="bg1">
+                <a:shade val="80000"/>
+                <a:lumMod val="80000"/>
+              </a:schemeClr>
+              <a:schemeClr val="bg1">
+                <a:tint val="98000"/>
+              </a:schemeClr>
+            </a:duotone>
+          </a:blip>
+          <a:stretch/>
+        </a:blipFill>
+        <a:effectLst/>
+      </p:bgPr>
+    </p:bg>
     <p:spTree>
       <p:nvGrpSpPr>
         <p:cNvPr id="1" name=""/>
@@ -9103,6 +9588,139 @@
           <a:chExt cx="0" cy="0"/>
         </a:xfrm>
       </p:grpSpPr>
+      <p:sp useBgFill="1">
+        <p:nvSpPr>
+          <p:cNvPr id="9" name="Rectangle 8">
+            <a:extLst>
+              <a:ext uri="{FF2B5EF4-FFF2-40B4-BE49-F238E27FC236}">
+                <a16:creationId xmlns:a16="http://schemas.microsoft.com/office/drawing/2014/main" id="{0EF2A0DA-AE81-4A45-972E-646AC2870C2F}"/>
+              </a:ext>
+              <a:ext uri="{C183D7F6-B498-43B3-948B-1728B52AA6E4}">
+                <adec:decorative xmlns:adec="http://schemas.microsoft.com/office/drawing/2017/decorative" val="1"/>
+              </a:ext>
+            </a:extLst>
+          </p:cNvPr>
+          <p:cNvSpPr>
+            <a:spLocks noGrp="1" noRot="1" noChangeAspect="1" noMove="1" noResize="1" noEditPoints="1" noAdjustHandles="1" noChangeArrowheads="1" noChangeShapeType="1" noTextEdit="1"/>
+          </p:cNvSpPr>
+          <p:nvPr>
+            <p:extLst>
+              <p:ext uri="{386F3935-93C4-4BCD-93E2-E3B085C9AB24}">
+                <p16:designElem xmlns:p16="http://schemas.microsoft.com/office/powerpoint/2015/main" val="1"/>
+              </p:ext>
+            </p:extLst>
+          </p:nvPr>
+        </p:nvSpPr>
+        <p:spPr>
+          <a:xfrm>
+            <a:off x="0" y="0"/>
+            <a:ext cx="12192000" cy="6858000"/>
+          </a:xfrm>
+          <a:prstGeom prst="rect">
+            <a:avLst/>
+          </a:prstGeom>
+          <a:ln>
+            <a:noFill/>
+          </a:ln>
+        </p:spPr>
+        <p:style>
+          <a:lnRef idx="2">
+            <a:schemeClr val="accent1">
+              <a:shade val="50000"/>
+            </a:schemeClr>
+          </a:lnRef>
+          <a:fillRef idx="1">
+            <a:schemeClr val="accent1"/>
+          </a:fillRef>
+          <a:effectRef idx="0">
+            <a:schemeClr val="accent1"/>
+          </a:effectRef>
+          <a:fontRef idx="minor">
+            <a:schemeClr val="lt1"/>
+          </a:fontRef>
+        </p:style>
+        <p:txBody>
+          <a:bodyPr rtlCol="0" anchor="ctr"/>
+          <a:lstStyle/>
+          <a:p>
+            <a:pPr algn="ctr"/>
+            <a:endParaRPr lang="en-US"/>
+          </a:p>
+        </p:txBody>
+      </p:sp>
+      <p:pic>
+        <p:nvPicPr>
+          <p:cNvPr id="5" name="Picture 4" descr="Toy robots shaking hands">
+            <a:extLst>
+              <a:ext uri="{FF2B5EF4-FFF2-40B4-BE49-F238E27FC236}">
+                <a16:creationId xmlns:a16="http://schemas.microsoft.com/office/drawing/2014/main" id="{30116B1D-1550-69C6-786E-4F2E9077A88B}"/>
+              </a:ext>
+            </a:extLst>
+          </p:cNvPr>
+          <p:cNvPicPr>
+            <a:picLocks noChangeAspect="1"/>
+          </p:cNvPicPr>
+          <p:nvPr/>
+        </p:nvPicPr>
+        <p:blipFill rotWithShape="1">
+          <a:blip r:embed="rId3"/>
+          <a:srcRect l="28126" r="12763"/>
+          <a:stretch/>
+        </p:blipFill>
+        <p:spPr>
+          <a:xfrm>
+            <a:off x="-8622" y="10"/>
+            <a:ext cx="6096000" cy="6857990"/>
+          </a:xfrm>
+          <a:prstGeom prst="rect">
+            <a:avLst/>
+          </a:prstGeom>
+        </p:spPr>
+      </p:pic>
+      <p:pic>
+        <p:nvPicPr>
+          <p:cNvPr id="11" name="Picture 10">
+            <a:extLst>
+              <a:ext uri="{FF2B5EF4-FFF2-40B4-BE49-F238E27FC236}">
+                <a16:creationId xmlns:a16="http://schemas.microsoft.com/office/drawing/2014/main" id="{B536FA4E-0152-4E27-91DA-0FC22D1846BB}"/>
+              </a:ext>
+              <a:ext uri="{C183D7F6-B498-43B3-948B-1728B52AA6E4}">
+                <adec:decorative xmlns:adec="http://schemas.microsoft.com/office/drawing/2017/decorative" val="1"/>
+              </a:ext>
+            </a:extLst>
+          </p:cNvPr>
+          <p:cNvPicPr>
+            <a:picLocks noGrp="1" noRot="1" noChangeAspect="1" noMove="1" noResize="1" noEditPoints="1" noAdjustHandles="1" noChangeArrowheads="1" noChangeShapeType="1" noCrop="1"/>
+          </p:cNvPicPr>
+          <p:nvPr>
+            <p:extLst>
+              <p:ext uri="{386F3935-93C4-4BCD-93E2-E3B085C9AB24}">
+                <p16:designElem xmlns:p16="http://schemas.microsoft.com/office/powerpoint/2015/main" val="1"/>
+              </p:ext>
+            </p:extLst>
+          </p:nvPr>
+        </p:nvPicPr>
+        <p:blipFill rotWithShape="1">
+          <a:blip r:embed="rId4">
+            <a:extLst>
+              <a:ext uri="{28A0092B-C50C-407E-A947-70E740481C1C}">
+                <a14:useLocalDpi xmlns:a14="http://schemas.microsoft.com/office/drawing/2010/main" val="0"/>
+              </a:ext>
+            </a:extLst>
+          </a:blip>
+          <a:srcRect t="964" r="2807" b="1446"/>
+          <a:stretch/>
+        </p:blipFill>
+        <p:spPr>
+          <a:xfrm>
+            <a:off x="6257026" y="1"/>
+            <a:ext cx="5934973" cy="6858000"/>
+          </a:xfrm>
+          <a:prstGeom prst="rect">
+            <a:avLst/>
+          </a:prstGeom>
+        </p:spPr>
+      </p:pic>
       <p:sp>
         <p:nvSpPr>
           <p:cNvPr id="2" name="Title 1">
@@ -9119,13 +9737,21 @@
             <p:ph type="title"/>
           </p:nvPr>
         </p:nvSpPr>
-        <p:spPr/>
-        <p:txBody>
-          <a:bodyPr/>
+        <p:spPr>
+          <a:xfrm>
+            <a:off x="6900493" y="609600"/>
+            <a:ext cx="4538124" cy="970450"/>
+          </a:xfrm>
+        </p:spPr>
+        <p:txBody>
+          <a:bodyPr anchor="b">
+            <a:normAutofit/>
+          </a:bodyPr>
           <a:lstStyle/>
           <a:p>
-            <a:r>
-              <a:rPr lang="en-GB" dirty="0"/>
+            <a:pPr algn="l"/>
+            <a:r>
+              <a:rPr lang="en-GB" sz="3200"/>
               <a:t>ROS</a:t>
             </a:r>
           </a:p>
@@ -9147,30 +9773,34 @@
             <p:ph idx="1"/>
           </p:nvPr>
         </p:nvSpPr>
-        <p:spPr/>
-        <p:txBody>
-          <a:bodyPr/>
+        <p:spPr>
+          <a:xfrm>
+            <a:off x="6900493" y="1732449"/>
+            <a:ext cx="4403596" cy="4058751"/>
+          </a:xfrm>
+        </p:spPr>
+        <p:txBody>
+          <a:bodyPr anchor="t">
+            <a:normAutofit/>
+          </a:bodyPr>
           <a:lstStyle/>
           <a:p>
+            <a:r>
+              <a:rPr lang="en-GB" sz="2000" dirty="0"/>
+              <a:t>ROS (Robot Operating System): While it’s name suggests that it is an ‘operating system’, it is actually just the middleware that is used to run the programs and control the robot.</a:t>
+            </a:r>
+          </a:p>
+          <a:p>
             <a:pPr marL="36900" indent="0">
               <a:buNone/>
             </a:pPr>
-            <a:r>
-              <a:rPr lang="en-GB" dirty="0"/>
-              <a:t>ROS (Robot Operating System): While it’s name suggests that it is an ‘operating system’, it is actually just the middleware that is used to run the programs and control the robot.</a:t>
-            </a:r>
+            <a:endParaRPr lang="en-GB" sz="1800" dirty="0"/>
           </a:p>
           <a:p>
             <a:pPr marL="36900" indent="0">
               <a:buNone/>
             </a:pPr>
-            <a:endParaRPr lang="en-GB" dirty="0"/>
-          </a:p>
-          <a:p>
-            <a:pPr marL="36900" indent="0">
-              <a:buNone/>
-            </a:pPr>
-            <a:endParaRPr lang="en-GB" dirty="0"/>
+            <a:endParaRPr lang="en-GB" sz="1800" dirty="0"/>
           </a:p>
         </p:txBody>
       </p:sp>
@@ -9253,21 +9883,21 @@
           <a:bodyPr/>
           <a:lstStyle/>
           <a:p>
-            <a:pPr marL="36900" indent="0">
-              <a:buNone/>
-            </a:pPr>
             <a:r>
               <a:rPr lang="en-GB" dirty="0"/>
-              <a:t>The image processing for the project is performed by making use of OpenCV. This library offers access to many image manipulation and processing tools.</a:t>
-            </a:r>
-          </a:p>
-          <a:p>
-            <a:pPr marL="36900" indent="0">
-              <a:buNone/>
-            </a:pPr>
+              <a:t>OpenCV is used to perform all the image processing in this project. </a:t>
+            </a:r>
+          </a:p>
+          <a:p>
             <a:r>
               <a:rPr lang="en-GB" dirty="0"/>
-              <a:t>The ‘CV_Bridge’ ROS library provides an interface between OpenCV and ROS. It allows the conversion of a ROS image message to an OpenCV image that can then be used for image processing.</a:t>
+              <a:t>This library offers access to many image manipulation and processing tools.</a:t>
+            </a:r>
+          </a:p>
+          <a:p>
+            <a:r>
+              <a:rPr lang="en-GB" dirty="0"/>
+              <a:t>The ‘CV_Bridge’ ROS library provides an interface between OpenCV and ROS.</a:t>
             </a:r>
           </a:p>
         </p:txBody>
@@ -9351,12 +9981,19 @@
           <a:bodyPr/>
           <a:lstStyle/>
           <a:p>
-            <a:pPr marL="36900" indent="0">
-              <a:buNone/>
-            </a:pPr>
             <a:r>
               <a:rPr lang="en-GB" dirty="0"/>
-              <a:t>The project is being developed in C++. I chose to use C++ over Python as I feel it provides a more in-depth library, and I am much more confident working in C++ compared to Python.</a:t>
+              <a:t>The project is being developed in C++</a:t>
+            </a:r>
+          </a:p>
+          <a:p>
+            <a:r>
+              <a:rPr lang="en-GB"/>
+              <a:t>I </a:t>
+            </a:r>
+            <a:r>
+              <a:rPr lang="en-GB" dirty="0"/>
+              <a:t>chose to use C++ over Python as I feel it provides a more in-depth library, and I am much more confident working in C++ compared to Python.</a:t>
             </a:r>
           </a:p>
           <a:p>
@@ -10385,21 +11022,21 @@
 </file>
 
 <file path=customXml/item1.xml><?xml version="1.0" encoding="utf-8"?>
+<?mso-contentType ?>
+<FormTemplates xmlns="http://schemas.microsoft.com/sharepoint/v3/contenttype/forms">
+  <Display>DocumentLibraryForm</Display>
+  <Edit>DocumentLibraryForm</Edit>
+  <New>DocumentLibraryForm</New>
+</FormTemplates>
+</file>
+
+<file path=customXml/item2.xml><?xml version="1.0" encoding="utf-8"?>
 <p:properties xmlns:p="http://schemas.microsoft.com/office/2006/metadata/properties" xmlns:xsi="http://www.w3.org/2001/XMLSchema-instance" xmlns:pc="http://schemas.microsoft.com/office/infopath/2007/PartnerControls">
   <documentManagement>
     <Status xmlns="71af3243-3dd4-4a8d-8c0d-dd76da1f02a5">Not started</Status>
     <MediaServiceKeyPoints xmlns="71af3243-3dd4-4a8d-8c0d-dd76da1f02a5" xsi:nil="true"/>
   </documentManagement>
 </p:properties>
-</file>
-
-<file path=customXml/item2.xml><?xml version="1.0" encoding="utf-8"?>
-<?mso-contentType ?>
-<FormTemplates xmlns="http://schemas.microsoft.com/sharepoint/v3/contenttype/forms">
-  <Display>DocumentLibraryForm</Display>
-  <Edit>DocumentLibraryForm</Edit>
-  <New>DocumentLibraryForm</New>
-</FormTemplates>
 </file>
 
 <file path=customXml/item3.xml><?xml version="1.0" encoding="utf-8"?>
@@ -10624,19 +11261,19 @@
 </file>
 
 <file path=customXml/itemProps1.xml><?xml version="1.0" encoding="utf-8"?>
+<ds:datastoreItem xmlns:ds="http://schemas.openxmlformats.org/officeDocument/2006/customXml" ds:itemID="{64B270AB-C138-415C-897E-3C24487DECF1}">
+  <ds:schemaRefs>
+    <ds:schemaRef ds:uri="http://schemas.microsoft.com/sharepoint/v3/contenttype/forms"/>
+  </ds:schemaRefs>
+</ds:datastoreItem>
+</file>
+
+<file path=customXml/itemProps2.xml><?xml version="1.0" encoding="utf-8"?>
 <ds:datastoreItem xmlns:ds="http://schemas.openxmlformats.org/officeDocument/2006/customXml" ds:itemID="{2C4C00F4-06E9-43E3-AD97-88A857CEFA82}">
   <ds:schemaRefs>
     <ds:schemaRef ds:uri="http://schemas.microsoft.com/office/2006/metadata/properties"/>
     <ds:schemaRef ds:uri="http://schemas.microsoft.com/office/infopath/2007/PartnerControls"/>
     <ds:schemaRef ds:uri="71af3243-3dd4-4a8d-8c0d-dd76da1f02a5"/>
-  </ds:schemaRefs>
-</ds:datastoreItem>
-</file>
-
-<file path=customXml/itemProps2.xml><?xml version="1.0" encoding="utf-8"?>
-<ds:datastoreItem xmlns:ds="http://schemas.openxmlformats.org/officeDocument/2006/customXml" ds:itemID="{64B270AB-C138-415C-897E-3C24487DECF1}">
-  <ds:schemaRefs>
-    <ds:schemaRef ds:uri="http://schemas.microsoft.com/sharepoint/v3/contenttype/forms"/>
   </ds:schemaRefs>
 </ds:datastoreItem>
 </file>
